--- a/Internship_Presentation.pptx
+++ b/Internship_Presentation.pptx
@@ -5,26 +5,26 @@
     <p:sldMasterId id="2147483648" r:id="rId1"/>
   </p:sldMasterIdLst>
   <p:notesMasterIdLst>
-    <p:notesMasterId r:id="rId19"/>
+    <p:notesMasterId r:id="rId8"/>
   </p:notesMasterIdLst>
   <p:sldIdLst>
-    <p:sldId id="256" r:id="rId2"/>
-    <p:sldId id="259" r:id="rId3"/>
-    <p:sldId id="257" r:id="rId4"/>
-    <p:sldId id="258" r:id="rId5"/>
-    <p:sldId id="262" r:id="rId6"/>
-    <p:sldId id="263" r:id="rId7"/>
-    <p:sldId id="266" r:id="rId8"/>
-    <p:sldId id="265" r:id="rId9"/>
-    <p:sldId id="268" r:id="rId10"/>
-    <p:sldId id="272" r:id="rId11"/>
-    <p:sldId id="270" r:id="rId12"/>
-    <p:sldId id="269" r:id="rId13"/>
-    <p:sldId id="260" r:id="rId14"/>
-    <p:sldId id="261" r:id="rId15"/>
-    <p:sldId id="271" r:id="rId16"/>
-    <p:sldId id="267" r:id="rId17"/>
-    <p:sldId id="273" r:id="rId18"/>
+    <p:sldId id="256" r:id="rId3"/>
+    <p:sldId id="259" r:id="rId4"/>
+    <p:sldId id="257" r:id="rId5"/>
+    <p:sldId id="258" r:id="rId6"/>
+    <p:sldId id="262" r:id="rId7"/>
+    <p:sldId id="263" r:id="rId9"/>
+    <p:sldId id="266" r:id="rId10"/>
+    <p:sldId id="265" r:id="rId11"/>
+    <p:sldId id="260" r:id="rId12"/>
+    <p:sldId id="268" r:id="rId13"/>
+    <p:sldId id="272" r:id="rId14"/>
+    <p:sldId id="270" r:id="rId15"/>
+    <p:sldId id="269" r:id="rId16"/>
+    <p:sldId id="261" r:id="rId17"/>
+    <p:sldId id="271" r:id="rId18"/>
+    <p:sldId id="267" r:id="rId19"/>
+    <p:sldId id="273" r:id="rId20"/>
   </p:sldIdLst>
   <p:sldSz cx="12192000" cy="6858000"/>
   <p:notesSz cx="6858000" cy="9144000"/>
@@ -123,16 +123,7 @@
       </a:defRPr>
     </a:lvl9pPr>
   </p:defaultTextStyle>
-  <p:extLst>
-    <p:ext uri="{EFAFB233-063F-42B5-8137-9DF3F51BA10A}">
-      <p15:sldGuideLst xmlns:p15="http://schemas.microsoft.com/office/powerpoint/2012/main"/>
-    </p:ext>
-  </p:extLst>
 </p:presentation>
-</file>
-
-<file path=ppt/revisionInfo.xml><?xml version="1.0" encoding="utf-8"?>
-<p1510:revInfo xmlns:a="http://schemas.openxmlformats.org/drawingml/2006/main" xmlns:r="http://schemas.openxmlformats.org/officeDocument/2006/relationships" xmlns:p1510="http://schemas.microsoft.com/office/powerpoint/2015/10/main"/>
 </file>
 
 <file path=ppt/notesMasters/notesMaster1.xml><?xml version="1.0" encoding="utf-8"?>
@@ -217,7 +208,6 @@
           <a:p>
             <a:fld id="{CE5EE1E9-6060-4A5A-806C-98017320838D}" type="datetimeFigureOut">
               <a:rPr lang="fr-FR" smtClean="0"/>
-              <a:t>30/05/2017</a:t>
             </a:fld>
             <a:endParaRPr lang="fr-FR"/>
           </a:p>
@@ -284,6 +274,7 @@
               <a:rPr lang="en-US"/>
               <a:t>Edit Master text styles</a:t>
             </a:r>
+            <a:endParaRPr lang="en-US"/>
           </a:p>
           <a:p>
             <a:pPr lvl="1"/>
@@ -291,6 +282,7 @@
               <a:rPr lang="en-US"/>
               <a:t>Second level</a:t>
             </a:r>
+            <a:endParaRPr lang="en-US"/>
           </a:p>
           <a:p>
             <a:pPr lvl="2"/>
@@ -298,6 +290,7 @@
               <a:rPr lang="en-US"/>
               <a:t>Third level</a:t>
             </a:r>
+            <a:endParaRPr lang="en-US"/>
           </a:p>
           <a:p>
             <a:pPr lvl="3"/>
@@ -305,6 +298,7 @@
               <a:rPr lang="en-US"/>
               <a:t>Fourth level</a:t>
             </a:r>
+            <a:endParaRPr lang="en-US"/>
           </a:p>
           <a:p>
             <a:pPr lvl="4"/>
@@ -376,18 +370,12 @@
           <a:p>
             <a:fld id="{B188C2CA-C1E3-4567-9BB7-2739909D1BD9}" type="slidenum">
               <a:rPr lang="fr-FR" smtClean="0"/>
-              <a:t>‹#›</a:t>
             </a:fld>
             <a:endParaRPr lang="fr-FR"/>
           </a:p>
         </p:txBody>
       </p:sp>
     </p:spTree>
-    <p:extLst>
-      <p:ext uri="{BB962C8B-B14F-4D97-AF65-F5344CB8AC3E}">
-        <p14:creationId xmlns:p14="http://schemas.microsoft.com/office/powerpoint/2010/main" val="1"/>
-      </p:ext>
-    </p:extLst>
   </p:cSld>
   <p:clrMap bg1="lt1" tx1="dk1" bg2="lt2" tx2="dk2" accent1="accent1" accent2="accent2" accent3="accent3" accent4="accent4" accent5="accent5" accent6="accent6" hlink="hlink" folHlink="folHlink"/>
   <p:notesStyle>
@@ -552,6 +540,7 @@
               <a:rPr lang="en-US"/>
               <a:t>DIGIPASS Software Concepts</a:t>
             </a:r>
+            <a:endParaRPr lang="en-US"/>
           </a:p>
         </p:txBody>
       </p:sp>
@@ -572,19 +561,12 @@
           <a:p>
             <a:fld id="{D1E296DB-0908-442D-BA77-FB6783F5D774}" type="slidenum">
               <a:rPr lang="en-US" smtClean="0"/>
-              <a:pPr/>
-              <a:t>5</a:t>
             </a:fld>
             <a:endParaRPr lang="en-US"/>
           </a:p>
         </p:txBody>
       </p:sp>
     </p:spTree>
-    <p:extLst>
-      <p:ext uri="{BB962C8B-B14F-4D97-AF65-F5344CB8AC3E}">
-        <p14:creationId xmlns:p14="http://schemas.microsoft.com/office/powerpoint/2010/main" val="223985564"/>
-      </p:ext>
-    </p:extLst>
   </p:cSld>
   <p:clrMapOvr>
     <a:masterClrMapping/>
@@ -657,18 +639,12 @@
           <a:p>
             <a:fld id="{B188C2CA-C1E3-4567-9BB7-2739909D1BD9}" type="slidenum">
               <a:rPr lang="fr-FR" smtClean="0"/>
-              <a:t>15</a:t>
             </a:fld>
             <a:endParaRPr lang="fr-FR"/>
           </a:p>
         </p:txBody>
       </p:sp>
     </p:spTree>
-    <p:extLst>
-      <p:ext uri="{BB962C8B-B14F-4D97-AF65-F5344CB8AC3E}">
-        <p14:creationId xmlns:p14="http://schemas.microsoft.com/office/powerpoint/2010/main" val="2033255242"/>
-      </p:ext>
-    </p:extLst>
   </p:cSld>
   <p:clrMapOvr>
     <a:masterClrMapping/>
@@ -741,18 +717,12 @@
           <a:p>
             <a:fld id="{B188C2CA-C1E3-4567-9BB7-2739909D1BD9}" type="slidenum">
               <a:rPr lang="fr-FR" smtClean="0"/>
-              <a:t>16</a:t>
             </a:fld>
             <a:endParaRPr lang="fr-FR"/>
           </a:p>
         </p:txBody>
       </p:sp>
     </p:spTree>
-    <p:extLst>
-      <p:ext uri="{BB962C8B-B14F-4D97-AF65-F5344CB8AC3E}">
-        <p14:creationId xmlns:p14="http://schemas.microsoft.com/office/powerpoint/2010/main" val="2412818713"/>
-      </p:ext>
-    </p:extLst>
   </p:cSld>
   <p:clrMapOvr>
     <a:masterClrMapping/>
@@ -825,18 +795,12 @@
           <a:p>
             <a:fld id="{B188C2CA-C1E3-4567-9BB7-2739909D1BD9}" type="slidenum">
               <a:rPr lang="fr-FR" smtClean="0"/>
-              <a:t>17</a:t>
             </a:fld>
             <a:endParaRPr lang="fr-FR"/>
           </a:p>
         </p:txBody>
       </p:sp>
     </p:spTree>
-    <p:extLst>
-      <p:ext uri="{BB962C8B-B14F-4D97-AF65-F5344CB8AC3E}">
-        <p14:creationId xmlns:p14="http://schemas.microsoft.com/office/powerpoint/2010/main" val="3198541402"/>
-      </p:ext>
-    </p:extLst>
   </p:cSld>
   <p:clrMapOvr>
     <a:masterClrMapping/>
@@ -909,18 +873,12 @@
           <a:p>
             <a:fld id="{B188C2CA-C1E3-4567-9BB7-2739909D1BD9}" type="slidenum">
               <a:rPr lang="fr-FR" smtClean="0"/>
-              <a:t>7</a:t>
             </a:fld>
             <a:endParaRPr lang="fr-FR"/>
           </a:p>
         </p:txBody>
       </p:sp>
     </p:spTree>
-    <p:extLst>
-      <p:ext uri="{BB962C8B-B14F-4D97-AF65-F5344CB8AC3E}">
-        <p14:creationId xmlns:p14="http://schemas.microsoft.com/office/powerpoint/2010/main" val="1850335551"/>
-      </p:ext>
-    </p:extLst>
   </p:cSld>
   <p:clrMapOvr>
     <a:masterClrMapping/>
@@ -993,18 +951,12 @@
           <a:p>
             <a:fld id="{B188C2CA-C1E3-4567-9BB7-2739909D1BD9}" type="slidenum">
               <a:rPr lang="fr-FR" smtClean="0"/>
-              <a:t>8</a:t>
             </a:fld>
             <a:endParaRPr lang="fr-FR"/>
           </a:p>
         </p:txBody>
       </p:sp>
     </p:spTree>
-    <p:extLst>
-      <p:ext uri="{BB962C8B-B14F-4D97-AF65-F5344CB8AC3E}">
-        <p14:creationId xmlns:p14="http://schemas.microsoft.com/office/powerpoint/2010/main" val="452276188"/>
-      </p:ext>
-    </p:extLst>
   </p:cSld>
   <p:clrMapOvr>
     <a:masterClrMapping/>
@@ -1077,18 +1029,12 @@
           <a:p>
             <a:fld id="{B188C2CA-C1E3-4567-9BB7-2739909D1BD9}" type="slidenum">
               <a:rPr lang="fr-FR" smtClean="0"/>
-              <a:t>9</a:t>
             </a:fld>
             <a:endParaRPr lang="fr-FR"/>
           </a:p>
         </p:txBody>
       </p:sp>
     </p:spTree>
-    <p:extLst>
-      <p:ext uri="{BB962C8B-B14F-4D97-AF65-F5344CB8AC3E}">
-        <p14:creationId xmlns:p14="http://schemas.microsoft.com/office/powerpoint/2010/main" val="1023180749"/>
-      </p:ext>
-    </p:extLst>
   </p:cSld>
   <p:clrMapOvr>
     <a:masterClrMapping/>
@@ -1161,18 +1107,12 @@
           <a:p>
             <a:fld id="{B188C2CA-C1E3-4567-9BB7-2739909D1BD9}" type="slidenum">
               <a:rPr lang="fr-FR" smtClean="0"/>
-              <a:t>10</a:t>
             </a:fld>
             <a:endParaRPr lang="fr-FR"/>
           </a:p>
         </p:txBody>
       </p:sp>
     </p:spTree>
-    <p:extLst>
-      <p:ext uri="{BB962C8B-B14F-4D97-AF65-F5344CB8AC3E}">
-        <p14:creationId xmlns:p14="http://schemas.microsoft.com/office/powerpoint/2010/main" val="3760895461"/>
-      </p:ext>
-    </p:extLst>
   </p:cSld>
   <p:clrMapOvr>
     <a:masterClrMapping/>
@@ -1245,18 +1185,12 @@
           <a:p>
             <a:fld id="{B188C2CA-C1E3-4567-9BB7-2739909D1BD9}" type="slidenum">
               <a:rPr lang="fr-FR" smtClean="0"/>
-              <a:t>11</a:t>
             </a:fld>
             <a:endParaRPr lang="fr-FR"/>
           </a:p>
         </p:txBody>
       </p:sp>
     </p:spTree>
-    <p:extLst>
-      <p:ext uri="{BB962C8B-B14F-4D97-AF65-F5344CB8AC3E}">
-        <p14:creationId xmlns:p14="http://schemas.microsoft.com/office/powerpoint/2010/main" val="2528918875"/>
-      </p:ext>
-    </p:extLst>
   </p:cSld>
   <p:clrMapOvr>
     <a:masterClrMapping/>
@@ -1329,18 +1263,12 @@
           <a:p>
             <a:fld id="{B188C2CA-C1E3-4567-9BB7-2739909D1BD9}" type="slidenum">
               <a:rPr lang="fr-FR" smtClean="0"/>
-              <a:t>12</a:t>
             </a:fld>
             <a:endParaRPr lang="fr-FR"/>
           </a:p>
         </p:txBody>
       </p:sp>
     </p:spTree>
-    <p:extLst>
-      <p:ext uri="{BB962C8B-B14F-4D97-AF65-F5344CB8AC3E}">
-        <p14:creationId xmlns:p14="http://schemas.microsoft.com/office/powerpoint/2010/main" val="664210552"/>
-      </p:ext>
-    </p:extLst>
   </p:cSld>
   <p:clrMapOvr>
     <a:masterClrMapping/>
@@ -1413,18 +1341,12 @@
           <a:p>
             <a:fld id="{B188C2CA-C1E3-4567-9BB7-2739909D1BD9}" type="slidenum">
               <a:rPr lang="fr-FR" smtClean="0"/>
-              <a:t>13</a:t>
             </a:fld>
             <a:endParaRPr lang="fr-FR"/>
           </a:p>
         </p:txBody>
       </p:sp>
     </p:spTree>
-    <p:extLst>
-      <p:ext uri="{BB962C8B-B14F-4D97-AF65-F5344CB8AC3E}">
-        <p14:creationId xmlns:p14="http://schemas.microsoft.com/office/powerpoint/2010/main" val="190304778"/>
-      </p:ext>
-    </p:extLst>
   </p:cSld>
   <p:clrMapOvr>
     <a:masterClrMapping/>
@@ -1497,18 +1419,12 @@
           <a:p>
             <a:fld id="{B188C2CA-C1E3-4567-9BB7-2739909D1BD9}" type="slidenum">
               <a:rPr lang="fr-FR" smtClean="0"/>
-              <a:t>14</a:t>
             </a:fld>
             <a:endParaRPr lang="fr-FR"/>
           </a:p>
         </p:txBody>
       </p:sp>
     </p:spTree>
-    <p:extLst>
-      <p:ext uri="{BB962C8B-B14F-4D97-AF65-F5344CB8AC3E}">
-        <p14:creationId xmlns:p14="http://schemas.microsoft.com/office/powerpoint/2010/main" val="3111549416"/>
-      </p:ext>
-    </p:extLst>
   </p:cSld>
   <p:clrMapOvr>
     <a:masterClrMapping/>
@@ -1578,6 +1494,7 @@
               <a:rPr lang="en-US"/>
               <a:t>Click to edit Master title style</a:t>
             </a:r>
+            <a:endParaRPr lang="en-US"/>
           </a:p>
         </p:txBody>
       </p:sp>
@@ -1707,6 +1624,7 @@
               <a:rPr lang="en-US"/>
               <a:t>Click to edit Master subtitle style</a:t>
             </a:r>
+            <a:endParaRPr lang="en-US"/>
           </a:p>
         </p:txBody>
       </p:sp>
@@ -1727,8 +1645,6 @@
           <a:p>
             <a:fld id="{B61BEF0D-F0BB-DE4B-95CE-6DB70DBA9567}" type="datetimeFigureOut">
               <a:rPr lang="en-US" dirty="0"/>
-              <a:pPr/>
-              <a:t>5/30/2017</a:t>
             </a:fld>
             <a:endParaRPr lang="en-US"/>
           </a:p>
@@ -1770,8 +1686,6 @@
           <a:p>
             <a:fld id="{D57F1E4F-1CFF-5643-939E-217C01CDF565}" type="slidenum">
               <a:rPr lang="en-US" dirty="0"/>
-              <a:pPr/>
-              <a:t>‹#›</a:t>
             </a:fld>
             <a:endParaRPr lang="en-US"/>
           </a:p>
@@ -1832,6 +1746,7 @@
               <a:rPr lang="en-US"/>
               <a:t>Click to edit Master title style</a:t>
             </a:r>
+            <a:endParaRPr lang="en-US"/>
           </a:p>
         </p:txBody>
       </p:sp>
@@ -1926,6 +1841,7 @@
               <a:rPr lang="en-US"/>
               <a:t>Click icon to add picture</a:t>
             </a:r>
+            <a:endParaRPr lang="en-US"/>
           </a:p>
         </p:txBody>
       </p:sp>
@@ -1993,6 +1909,7 @@
               <a:rPr lang="en-US"/>
               <a:t>Edit Master text styles</a:t>
             </a:r>
+            <a:endParaRPr lang="en-US"/>
           </a:p>
         </p:txBody>
       </p:sp>
@@ -2013,8 +1930,6 @@
           <a:p>
             <a:fld id="{B61BEF0D-F0BB-DE4B-95CE-6DB70DBA9567}" type="datetimeFigureOut">
               <a:rPr lang="en-US" dirty="0"/>
-              <a:pPr/>
-              <a:t>5/30/2017</a:t>
             </a:fld>
             <a:endParaRPr lang="en-US"/>
           </a:p>
@@ -2056,8 +1971,6 @@
           <a:p>
             <a:fld id="{D57F1E4F-1CFF-5643-939E-217C01CDF565}" type="slidenum">
               <a:rPr lang="en-US" dirty="0"/>
-              <a:pPr/>
-              <a:t>‹#›</a:t>
             </a:fld>
             <a:endParaRPr lang="en-US"/>
           </a:p>
@@ -2118,6 +2031,7 @@
               <a:rPr lang="en-US"/>
               <a:t>Click to edit Master title style</a:t>
             </a:r>
+            <a:endParaRPr lang="en-US"/>
           </a:p>
         </p:txBody>
       </p:sp>
@@ -2248,6 +2162,7 @@
               <a:rPr lang="en-US"/>
               <a:t>Edit Master text styles</a:t>
             </a:r>
+            <a:endParaRPr lang="en-US"/>
           </a:p>
         </p:txBody>
       </p:sp>
@@ -2268,8 +2183,6 @@
           <a:p>
             <a:fld id="{B61BEF0D-F0BB-DE4B-95CE-6DB70DBA9567}" type="datetimeFigureOut">
               <a:rPr lang="en-US" dirty="0"/>
-              <a:pPr/>
-              <a:t>5/30/2017</a:t>
             </a:fld>
             <a:endParaRPr lang="en-US"/>
           </a:p>
@@ -2311,8 +2224,6 @@
           <a:p>
             <a:fld id="{D57F1E4F-1CFF-5643-939E-217C01CDF565}" type="slidenum">
               <a:rPr lang="en-US" dirty="0"/>
-              <a:pPr/>
-              <a:t>‹#›</a:t>
             </a:fld>
             <a:endParaRPr lang="en-US"/>
           </a:p>
@@ -2455,6 +2366,11 @@
               </a:rPr>
               <a:t>“</a:t>
             </a:r>
+            <a:endParaRPr lang="en-US" sz="8000">
+              <a:solidFill>
+                <a:schemeClr val="accent1"/>
+              </a:solidFill>
+            </a:endParaRPr>
           </a:p>
         </p:txBody>
       </p:sp>
@@ -2570,6 +2486,11 @@
               </a:rPr>
               <a:t>”</a:t>
             </a:r>
+            <a:endParaRPr lang="en-US" sz="8000">
+              <a:solidFill>
+                <a:schemeClr val="accent1"/>
+              </a:solidFill>
+            </a:endParaRPr>
           </a:p>
         </p:txBody>
       </p:sp>
@@ -2607,6 +2528,7 @@
               <a:rPr lang="en-US"/>
               <a:t>Click to edit Master title style</a:t>
             </a:r>
+            <a:endParaRPr lang="en-US"/>
           </a:p>
         </p:txBody>
       </p:sp>
@@ -2661,6 +2583,7 @@
               <a:rPr lang="en-US"/>
               <a:t>Edit Master text styles</a:t>
             </a:r>
+            <a:endParaRPr lang="en-US"/>
           </a:p>
         </p:txBody>
       </p:sp>
@@ -2713,6 +2636,7 @@
               <a:rPr lang="en-US"/>
               <a:t>Edit Master text styles</a:t>
             </a:r>
+            <a:endParaRPr lang="en-US"/>
           </a:p>
         </p:txBody>
       </p:sp>
@@ -2733,8 +2657,6 @@
           <a:p>
             <a:fld id="{B61BEF0D-F0BB-DE4B-95CE-6DB70DBA9567}" type="datetimeFigureOut">
               <a:rPr lang="en-US" dirty="0"/>
-              <a:pPr/>
-              <a:t>5/30/2017</a:t>
             </a:fld>
             <a:endParaRPr lang="en-US"/>
           </a:p>
@@ -2776,8 +2698,6 @@
           <a:p>
             <a:fld id="{D57F1E4F-1CFF-5643-939E-217C01CDF565}" type="slidenum">
               <a:rPr lang="en-US" dirty="0"/>
-              <a:pPr/>
-              <a:t>‹#›</a:t>
             </a:fld>
             <a:endParaRPr lang="en-US"/>
           </a:p>
@@ -2838,6 +2758,7 @@
               <a:rPr lang="en-US"/>
               <a:t>Click to edit Master title style</a:t>
             </a:r>
+            <a:endParaRPr lang="en-US"/>
           </a:p>
         </p:txBody>
       </p:sp>
@@ -2889,6 +2810,7 @@
               <a:rPr lang="en-US"/>
               <a:t>Edit Master text styles</a:t>
             </a:r>
+            <a:endParaRPr lang="en-US"/>
           </a:p>
         </p:txBody>
       </p:sp>
@@ -2909,8 +2831,6 @@
           <a:p>
             <a:fld id="{B61BEF0D-F0BB-DE4B-95CE-6DB70DBA9567}" type="datetimeFigureOut">
               <a:rPr lang="en-US" dirty="0"/>
-              <a:pPr/>
-              <a:t>5/30/2017</a:t>
             </a:fld>
             <a:endParaRPr lang="en-US"/>
           </a:p>
@@ -2952,8 +2872,6 @@
           <a:p>
             <a:fld id="{D57F1E4F-1CFF-5643-939E-217C01CDF565}" type="slidenum">
               <a:rPr lang="en-US" dirty="0"/>
-              <a:pPr/>
-              <a:t>‹#›</a:t>
             </a:fld>
             <a:endParaRPr lang="en-US"/>
           </a:p>
@@ -3096,6 +3014,11 @@
               </a:rPr>
               <a:t>“</a:t>
             </a:r>
+            <a:endParaRPr lang="en-US" sz="8000">
+              <a:solidFill>
+                <a:schemeClr val="accent1"/>
+              </a:solidFill>
+            </a:endParaRPr>
           </a:p>
         </p:txBody>
       </p:sp>
@@ -3211,6 +3134,11 @@
               </a:rPr>
               <a:t>”</a:t>
             </a:r>
+            <a:endParaRPr lang="en-US" sz="8000">
+              <a:solidFill>
+                <a:schemeClr val="accent1"/>
+              </a:solidFill>
+            </a:endParaRPr>
           </a:p>
         </p:txBody>
       </p:sp>
@@ -3259,6 +3187,7 @@
               <a:rPr lang="en-US"/>
               <a:t>Click to edit Master title style</a:t>
             </a:r>
+            <a:endParaRPr lang="en-US"/>
           </a:p>
         </p:txBody>
       </p:sp>
@@ -3331,6 +3260,7 @@
               <a:rPr lang="en-US"/>
               <a:t>Edit Master text styles</a:t>
             </a:r>
+            <a:endParaRPr lang="en-US"/>
           </a:p>
         </p:txBody>
       </p:sp>
@@ -3461,6 +3391,7 @@
               <a:rPr lang="en-US"/>
               <a:t>Edit Master text styles</a:t>
             </a:r>
+            <a:endParaRPr lang="en-US"/>
           </a:p>
         </p:txBody>
       </p:sp>
@@ -3481,8 +3412,6 @@
           <a:p>
             <a:fld id="{B61BEF0D-F0BB-DE4B-95CE-6DB70DBA9567}" type="datetimeFigureOut">
               <a:rPr lang="en-US" dirty="0"/>
-              <a:pPr/>
-              <a:t>5/30/2017</a:t>
             </a:fld>
             <a:endParaRPr lang="en-US"/>
           </a:p>
@@ -3524,8 +3453,6 @@
           <a:p>
             <a:fld id="{D57F1E4F-1CFF-5643-939E-217C01CDF565}" type="slidenum">
               <a:rPr lang="en-US" dirty="0"/>
-              <a:pPr/>
-              <a:t>‹#›</a:t>
             </a:fld>
             <a:endParaRPr lang="en-US"/>
           </a:p>
@@ -3587,6 +3514,7 @@
               <a:rPr lang="en-US"/>
               <a:t>Click to edit Master title style</a:t>
             </a:r>
+            <a:endParaRPr lang="en-US"/>
           </a:p>
         </p:txBody>
       </p:sp>
@@ -3659,6 +3587,7 @@
               <a:rPr lang="en-US"/>
               <a:t>Edit Master text styles</a:t>
             </a:r>
+            <a:endParaRPr lang="en-US"/>
           </a:p>
         </p:txBody>
       </p:sp>
@@ -3789,6 +3718,7 @@
               <a:rPr lang="en-US"/>
               <a:t>Edit Master text styles</a:t>
             </a:r>
+            <a:endParaRPr lang="en-US"/>
           </a:p>
         </p:txBody>
       </p:sp>
@@ -3809,8 +3739,6 @@
           <a:p>
             <a:fld id="{B61BEF0D-F0BB-DE4B-95CE-6DB70DBA9567}" type="datetimeFigureOut">
               <a:rPr lang="en-US" dirty="0"/>
-              <a:pPr/>
-              <a:t>5/30/2017</a:t>
             </a:fld>
             <a:endParaRPr lang="en-US"/>
           </a:p>
@@ -3852,8 +3780,6 @@
           <a:p>
             <a:fld id="{D57F1E4F-1CFF-5643-939E-217C01CDF565}" type="slidenum">
               <a:rPr lang="en-US" dirty="0"/>
-              <a:pPr/>
-              <a:t>‹#›</a:t>
             </a:fld>
             <a:endParaRPr lang="en-US"/>
           </a:p>
@@ -3908,6 +3834,7 @@
               <a:rPr lang="en-US"/>
               <a:t>Click to edit Master title style</a:t>
             </a:r>
+            <a:endParaRPr lang="en-US"/>
           </a:p>
         </p:txBody>
       </p:sp>
@@ -3931,6 +3858,7 @@
               <a:rPr lang="en-US"/>
               <a:t>Edit Master text styles</a:t>
             </a:r>
+            <a:endParaRPr lang="en-US"/>
           </a:p>
           <a:p>
             <a:pPr lvl="1"/>
@@ -3938,6 +3866,7 @@
               <a:rPr lang="en-US"/>
               <a:t>Second level</a:t>
             </a:r>
+            <a:endParaRPr lang="en-US"/>
           </a:p>
           <a:p>
             <a:pPr lvl="2"/>
@@ -3945,6 +3874,7 @@
               <a:rPr lang="en-US"/>
               <a:t>Third level</a:t>
             </a:r>
+            <a:endParaRPr lang="en-US"/>
           </a:p>
           <a:p>
             <a:pPr lvl="3"/>
@@ -3952,6 +3882,7 @@
               <a:rPr lang="en-US"/>
               <a:t>Fourth level</a:t>
             </a:r>
+            <a:endParaRPr lang="en-US"/>
           </a:p>
           <a:p>
             <a:pPr lvl="4"/>
@@ -3959,6 +3890,7 @@
               <a:rPr lang="en-US"/>
               <a:t>Fifth level</a:t>
             </a:r>
+            <a:endParaRPr lang="en-US"/>
           </a:p>
         </p:txBody>
       </p:sp>
@@ -3979,8 +3911,6 @@
           <a:p>
             <a:fld id="{B61BEF0D-F0BB-DE4B-95CE-6DB70DBA9567}" type="datetimeFigureOut">
               <a:rPr lang="en-US" dirty="0"/>
-              <a:pPr/>
-              <a:t>5/30/2017</a:t>
             </a:fld>
             <a:endParaRPr lang="en-US"/>
           </a:p>
@@ -4022,8 +3952,6 @@
           <a:p>
             <a:fld id="{D57F1E4F-1CFF-5643-939E-217C01CDF565}" type="slidenum">
               <a:rPr lang="en-US" dirty="0"/>
-              <a:pPr/>
-              <a:t>‹#›</a:t>
             </a:fld>
             <a:endParaRPr lang="en-US"/>
           </a:p>
@@ -4078,6 +4006,7 @@
               <a:rPr lang="en-US"/>
               <a:t>Click to edit Master title style</a:t>
             </a:r>
+            <a:endParaRPr lang="en-US"/>
           </a:p>
         </p:txBody>
       </p:sp>
@@ -4106,6 +4035,7 @@
               <a:rPr lang="en-US"/>
               <a:t>Edit Master text styles</a:t>
             </a:r>
+            <a:endParaRPr lang="en-US"/>
           </a:p>
           <a:p>
             <a:pPr lvl="1"/>
@@ -4113,6 +4043,7 @@
               <a:rPr lang="en-US"/>
               <a:t>Second level</a:t>
             </a:r>
+            <a:endParaRPr lang="en-US"/>
           </a:p>
           <a:p>
             <a:pPr lvl="2"/>
@@ -4120,6 +4051,7 @@
               <a:rPr lang="en-US"/>
               <a:t>Third level</a:t>
             </a:r>
+            <a:endParaRPr lang="en-US"/>
           </a:p>
           <a:p>
             <a:pPr lvl="3"/>
@@ -4127,6 +4059,7 @@
               <a:rPr lang="en-US"/>
               <a:t>Fourth level</a:t>
             </a:r>
+            <a:endParaRPr lang="en-US"/>
           </a:p>
           <a:p>
             <a:pPr lvl="4"/>
@@ -4134,6 +4067,7 @@
               <a:rPr lang="en-US"/>
               <a:t>Fifth level</a:t>
             </a:r>
+            <a:endParaRPr lang="en-US"/>
           </a:p>
         </p:txBody>
       </p:sp>
@@ -4154,8 +4088,6 @@
           <a:p>
             <a:fld id="{B61BEF0D-F0BB-DE4B-95CE-6DB70DBA9567}" type="datetimeFigureOut">
               <a:rPr lang="en-US" dirty="0"/>
-              <a:pPr/>
-              <a:t>5/30/2017</a:t>
             </a:fld>
             <a:endParaRPr lang="en-US"/>
           </a:p>
@@ -4197,8 +4129,6 @@
           <a:p>
             <a:fld id="{D57F1E4F-1CFF-5643-939E-217C01CDF565}" type="slidenum">
               <a:rPr lang="en-US" dirty="0"/>
-              <a:pPr/>
-              <a:t>‹#›</a:t>
             </a:fld>
             <a:endParaRPr lang="en-US"/>
           </a:p>
@@ -4248,6 +4178,7 @@
               <a:rPr lang="en-US"/>
               <a:t>Click to edit Master title style</a:t>
             </a:r>
+            <a:endParaRPr lang="en-US"/>
           </a:p>
         </p:txBody>
       </p:sp>
@@ -4271,6 +4202,7 @@
               <a:rPr lang="en-US"/>
               <a:t>Edit Master text styles</a:t>
             </a:r>
+            <a:endParaRPr lang="en-US"/>
           </a:p>
           <a:p>
             <a:pPr lvl="1"/>
@@ -4278,6 +4210,7 @@
               <a:rPr lang="en-US"/>
               <a:t>Second level</a:t>
             </a:r>
+            <a:endParaRPr lang="en-US"/>
           </a:p>
           <a:p>
             <a:pPr lvl="2"/>
@@ -4285,6 +4218,7 @@
               <a:rPr lang="en-US"/>
               <a:t>Third level</a:t>
             </a:r>
+            <a:endParaRPr lang="en-US"/>
           </a:p>
           <a:p>
             <a:pPr lvl="3"/>
@@ -4292,6 +4226,7 @@
               <a:rPr lang="en-US"/>
               <a:t>Fourth level</a:t>
             </a:r>
+            <a:endParaRPr lang="en-US"/>
           </a:p>
           <a:p>
             <a:pPr lvl="4"/>
@@ -4299,6 +4234,7 @@
               <a:rPr lang="en-US"/>
               <a:t>Fifth level</a:t>
             </a:r>
+            <a:endParaRPr lang="en-US"/>
           </a:p>
         </p:txBody>
       </p:sp>
@@ -4319,8 +4255,6 @@
           <a:p>
             <a:fld id="{B61BEF0D-F0BB-DE4B-95CE-6DB70DBA9567}" type="datetimeFigureOut">
               <a:rPr lang="en-US" dirty="0"/>
-              <a:pPr/>
-              <a:t>5/30/2017</a:t>
             </a:fld>
             <a:endParaRPr lang="en-US"/>
           </a:p>
@@ -4362,8 +4296,6 @@
           <a:p>
             <a:fld id="{D57F1E4F-1CFF-5643-939E-217C01CDF565}" type="slidenum">
               <a:rPr lang="en-US" dirty="0"/>
-              <a:pPr/>
-              <a:t>‹#›</a:t>
             </a:fld>
             <a:endParaRPr lang="en-US"/>
           </a:p>
@@ -4422,6 +4354,7 @@
               <a:rPr lang="en-US"/>
               <a:t>Click to edit Master title style</a:t>
             </a:r>
+            <a:endParaRPr lang="en-US"/>
           </a:p>
         </p:txBody>
       </p:sp>
@@ -4552,6 +4485,7 @@
               <a:rPr lang="en-US"/>
               <a:t>Edit Master text styles</a:t>
             </a:r>
+            <a:endParaRPr lang="en-US"/>
           </a:p>
         </p:txBody>
       </p:sp>
@@ -4572,8 +4506,6 @@
           <a:p>
             <a:fld id="{B61BEF0D-F0BB-DE4B-95CE-6DB70DBA9567}" type="datetimeFigureOut">
               <a:rPr lang="en-US" dirty="0"/>
-              <a:pPr/>
-              <a:t>5/30/2017</a:t>
             </a:fld>
             <a:endParaRPr lang="en-US"/>
           </a:p>
@@ -4615,8 +4547,6 @@
           <a:p>
             <a:fld id="{D57F1E4F-1CFF-5643-939E-217C01CDF565}" type="slidenum">
               <a:rPr lang="en-US" dirty="0"/>
-              <a:pPr/>
-              <a:t>‹#›</a:t>
             </a:fld>
             <a:endParaRPr lang="en-US"/>
           </a:p>
@@ -4666,6 +4596,7 @@
               <a:rPr lang="en-US"/>
               <a:t>Click to edit Master title style</a:t>
             </a:r>
+            <a:endParaRPr lang="en-US"/>
           </a:p>
         </p:txBody>
       </p:sp>
@@ -4724,6 +4655,7 @@
               <a:rPr lang="en-US"/>
               <a:t>Edit Master text styles</a:t>
             </a:r>
+            <a:endParaRPr lang="en-US"/>
           </a:p>
           <a:p>
             <a:pPr lvl="1"/>
@@ -4731,6 +4663,7 @@
               <a:rPr lang="en-US"/>
               <a:t>Second level</a:t>
             </a:r>
+            <a:endParaRPr lang="en-US"/>
           </a:p>
           <a:p>
             <a:pPr lvl="2"/>
@@ -4738,6 +4671,7 @@
               <a:rPr lang="en-US"/>
               <a:t>Third level</a:t>
             </a:r>
+            <a:endParaRPr lang="en-US"/>
           </a:p>
           <a:p>
             <a:pPr lvl="3"/>
@@ -4745,6 +4679,7 @@
               <a:rPr lang="en-US"/>
               <a:t>Fourth level</a:t>
             </a:r>
+            <a:endParaRPr lang="en-US"/>
           </a:p>
           <a:p>
             <a:pPr lvl="4"/>
@@ -4752,6 +4687,7 @@
               <a:rPr lang="en-US"/>
               <a:t>Fifth level</a:t>
             </a:r>
+            <a:endParaRPr lang="en-US"/>
           </a:p>
         </p:txBody>
       </p:sp>
@@ -4810,6 +4746,7 @@
               <a:rPr lang="en-US"/>
               <a:t>Edit Master text styles</a:t>
             </a:r>
+            <a:endParaRPr lang="en-US"/>
           </a:p>
           <a:p>
             <a:pPr lvl="1"/>
@@ -4817,6 +4754,7 @@
               <a:rPr lang="en-US"/>
               <a:t>Second level</a:t>
             </a:r>
+            <a:endParaRPr lang="en-US"/>
           </a:p>
           <a:p>
             <a:pPr lvl="2"/>
@@ -4824,6 +4762,7 @@
               <a:rPr lang="en-US"/>
               <a:t>Third level</a:t>
             </a:r>
+            <a:endParaRPr lang="en-US"/>
           </a:p>
           <a:p>
             <a:pPr lvl="3"/>
@@ -4831,6 +4770,7 @@
               <a:rPr lang="en-US"/>
               <a:t>Fourth level</a:t>
             </a:r>
+            <a:endParaRPr lang="en-US"/>
           </a:p>
           <a:p>
             <a:pPr lvl="4"/>
@@ -4838,6 +4778,7 @@
               <a:rPr lang="en-US"/>
               <a:t>Fifth level</a:t>
             </a:r>
+            <a:endParaRPr lang="en-US"/>
           </a:p>
         </p:txBody>
       </p:sp>
@@ -4858,8 +4799,6 @@
           <a:p>
             <a:fld id="{B61BEF0D-F0BB-DE4B-95CE-6DB70DBA9567}" type="datetimeFigureOut">
               <a:rPr lang="en-US" dirty="0"/>
-              <a:pPr/>
-              <a:t>5/30/2017</a:t>
             </a:fld>
             <a:endParaRPr lang="en-US"/>
           </a:p>
@@ -4901,8 +4840,6 @@
           <a:p>
             <a:fld id="{D57F1E4F-1CFF-5643-939E-217C01CDF565}" type="slidenum">
               <a:rPr lang="en-US" dirty="0"/>
-              <a:pPr/>
-              <a:t>‹#›</a:t>
             </a:fld>
             <a:endParaRPr lang="en-US"/>
           </a:p>
@@ -4956,6 +4893,7 @@
               <a:rPr lang="en-US"/>
               <a:t>Click to edit Master title style</a:t>
             </a:r>
+            <a:endParaRPr lang="en-US"/>
           </a:p>
         </p:txBody>
       </p:sp>
@@ -5023,6 +4961,7 @@
               <a:rPr lang="en-US"/>
               <a:t>Edit Master text styles</a:t>
             </a:r>
+            <a:endParaRPr lang="en-US"/>
           </a:p>
         </p:txBody>
       </p:sp>
@@ -5081,6 +5020,7 @@
               <a:rPr lang="en-US"/>
               <a:t>Edit Master text styles</a:t>
             </a:r>
+            <a:endParaRPr lang="en-US"/>
           </a:p>
           <a:p>
             <a:pPr lvl="1"/>
@@ -5088,6 +5028,7 @@
               <a:rPr lang="en-US"/>
               <a:t>Second level</a:t>
             </a:r>
+            <a:endParaRPr lang="en-US"/>
           </a:p>
           <a:p>
             <a:pPr lvl="2"/>
@@ -5095,6 +5036,7 @@
               <a:rPr lang="en-US"/>
               <a:t>Third level</a:t>
             </a:r>
+            <a:endParaRPr lang="en-US"/>
           </a:p>
           <a:p>
             <a:pPr lvl="3"/>
@@ -5102,6 +5044,7 @@
               <a:rPr lang="en-US"/>
               <a:t>Fourth level</a:t>
             </a:r>
+            <a:endParaRPr lang="en-US"/>
           </a:p>
           <a:p>
             <a:pPr lvl="4"/>
@@ -5109,6 +5052,7 @@
               <a:rPr lang="en-US"/>
               <a:t>Fifth level</a:t>
             </a:r>
+            <a:endParaRPr lang="en-US"/>
           </a:p>
         </p:txBody>
       </p:sp>
@@ -5176,6 +5120,7 @@
               <a:rPr lang="en-US"/>
               <a:t>Edit Master text styles</a:t>
             </a:r>
+            <a:endParaRPr lang="en-US"/>
           </a:p>
         </p:txBody>
       </p:sp>
@@ -5234,6 +5179,7 @@
               <a:rPr lang="en-US"/>
               <a:t>Edit Master text styles</a:t>
             </a:r>
+            <a:endParaRPr lang="en-US"/>
           </a:p>
           <a:p>
             <a:pPr lvl="1"/>
@@ -5241,6 +5187,7 @@
               <a:rPr lang="en-US"/>
               <a:t>Second level</a:t>
             </a:r>
+            <a:endParaRPr lang="en-US"/>
           </a:p>
           <a:p>
             <a:pPr lvl="2"/>
@@ -5248,6 +5195,7 @@
               <a:rPr lang="en-US"/>
               <a:t>Third level</a:t>
             </a:r>
+            <a:endParaRPr lang="en-US"/>
           </a:p>
           <a:p>
             <a:pPr lvl="3"/>
@@ -5255,6 +5203,7 @@
               <a:rPr lang="en-US"/>
               <a:t>Fourth level</a:t>
             </a:r>
+            <a:endParaRPr lang="en-US"/>
           </a:p>
           <a:p>
             <a:pPr lvl="4"/>
@@ -5262,6 +5211,7 @@
               <a:rPr lang="en-US"/>
               <a:t>Fifth level</a:t>
             </a:r>
+            <a:endParaRPr lang="en-US"/>
           </a:p>
         </p:txBody>
       </p:sp>
@@ -5282,8 +5232,6 @@
           <a:p>
             <a:fld id="{B61BEF0D-F0BB-DE4B-95CE-6DB70DBA9567}" type="datetimeFigureOut">
               <a:rPr lang="en-US" dirty="0"/>
-              <a:pPr/>
-              <a:t>5/30/2017</a:t>
             </a:fld>
             <a:endParaRPr lang="en-US"/>
           </a:p>
@@ -5325,8 +5273,6 @@
           <a:p>
             <a:fld id="{D57F1E4F-1CFF-5643-939E-217C01CDF565}" type="slidenum">
               <a:rPr lang="en-US" dirty="0"/>
-              <a:pPr/>
-              <a:t>‹#›</a:t>
             </a:fld>
             <a:endParaRPr lang="en-US"/>
           </a:p>
@@ -5376,6 +5322,7 @@
               <a:rPr lang="en-US"/>
               <a:t>Click to edit Master title style</a:t>
             </a:r>
+            <a:endParaRPr lang="en-US"/>
           </a:p>
         </p:txBody>
       </p:sp>
@@ -5396,8 +5343,6 @@
           <a:p>
             <a:fld id="{B61BEF0D-F0BB-DE4B-95CE-6DB70DBA9567}" type="datetimeFigureOut">
               <a:rPr lang="en-US" dirty="0"/>
-              <a:pPr/>
-              <a:t>5/30/2017</a:t>
             </a:fld>
             <a:endParaRPr lang="en-US"/>
           </a:p>
@@ -5439,8 +5384,6 @@
           <a:p>
             <a:fld id="{D57F1E4F-1CFF-5643-939E-217C01CDF565}" type="slidenum">
               <a:rPr lang="en-US" dirty="0"/>
-              <a:pPr/>
-              <a:t>‹#›</a:t>
             </a:fld>
             <a:endParaRPr lang="en-US"/>
           </a:p>
@@ -5488,8 +5431,6 @@
           <a:p>
             <a:fld id="{B61BEF0D-F0BB-DE4B-95CE-6DB70DBA9567}" type="datetimeFigureOut">
               <a:rPr lang="en-US" dirty="0"/>
-              <a:pPr/>
-              <a:t>5/30/2017</a:t>
             </a:fld>
             <a:endParaRPr lang="en-US"/>
           </a:p>
@@ -5531,8 +5472,6 @@
           <a:p>
             <a:fld id="{D57F1E4F-1CFF-5643-939E-217C01CDF565}" type="slidenum">
               <a:rPr lang="en-US" dirty="0"/>
-              <a:pPr/>
-              <a:t>‹#›</a:t>
             </a:fld>
             <a:endParaRPr lang="en-US"/>
           </a:p>
@@ -5593,6 +5532,7 @@
               <a:rPr lang="en-US"/>
               <a:t>Click to edit Master title style</a:t>
             </a:r>
+            <a:endParaRPr lang="en-US"/>
           </a:p>
         </p:txBody>
       </p:sp>
@@ -5651,6 +5591,7 @@
               <a:rPr lang="en-US"/>
               <a:t>Edit Master text styles</a:t>
             </a:r>
+            <a:endParaRPr lang="en-US"/>
           </a:p>
           <a:p>
             <a:pPr lvl="1"/>
@@ -5658,6 +5599,7 @@
               <a:rPr lang="en-US"/>
               <a:t>Second level</a:t>
             </a:r>
+            <a:endParaRPr lang="en-US"/>
           </a:p>
           <a:p>
             <a:pPr lvl="2"/>
@@ -5665,6 +5607,7 @@
               <a:rPr lang="en-US"/>
               <a:t>Third level</a:t>
             </a:r>
+            <a:endParaRPr lang="en-US"/>
           </a:p>
           <a:p>
             <a:pPr lvl="3"/>
@@ -5672,6 +5615,7 @@
               <a:rPr lang="en-US"/>
               <a:t>Fourth level</a:t>
             </a:r>
+            <a:endParaRPr lang="en-US"/>
           </a:p>
           <a:p>
             <a:pPr lvl="4"/>
@@ -5679,6 +5623,7 @@
               <a:rPr lang="en-US"/>
               <a:t>Fifth level</a:t>
             </a:r>
+            <a:endParaRPr lang="en-US"/>
           </a:p>
         </p:txBody>
       </p:sp>
@@ -5746,6 +5691,7 @@
               <a:rPr lang="en-US"/>
               <a:t>Edit Master text styles</a:t>
             </a:r>
+            <a:endParaRPr lang="en-US"/>
           </a:p>
         </p:txBody>
       </p:sp>
@@ -5766,8 +5712,6 @@
           <a:p>
             <a:fld id="{B61BEF0D-F0BB-DE4B-95CE-6DB70DBA9567}" type="datetimeFigureOut">
               <a:rPr lang="en-US" dirty="0"/>
-              <a:pPr/>
-              <a:t>5/30/2017</a:t>
             </a:fld>
             <a:endParaRPr lang="en-US"/>
           </a:p>
@@ -5809,8 +5753,6 @@
           <a:p>
             <a:fld id="{D57F1E4F-1CFF-5643-939E-217C01CDF565}" type="slidenum">
               <a:rPr lang="en-US" dirty="0"/>
-              <a:pPr/>
-              <a:t>‹#›</a:t>
             </a:fld>
             <a:endParaRPr lang="en-US"/>
           </a:p>
@@ -5871,6 +5813,7 @@
               <a:rPr lang="en-US"/>
               <a:t>Click to edit Master title style</a:t>
             </a:r>
+            <a:endParaRPr lang="en-US"/>
           </a:p>
         </p:txBody>
       </p:sp>
@@ -5960,6 +5903,7 @@
               <a:rPr lang="en-US"/>
               <a:t>Click icon to add picture</a:t>
             </a:r>
+            <a:endParaRPr lang="en-US"/>
           </a:p>
         </p:txBody>
       </p:sp>
@@ -6027,6 +5971,7 @@
               <a:rPr lang="en-US"/>
               <a:t>Edit Master text styles</a:t>
             </a:r>
+            <a:endParaRPr lang="en-US"/>
           </a:p>
         </p:txBody>
       </p:sp>
@@ -6052,8 +5997,6 @@
           <a:p>
             <a:fld id="{B61BEF0D-F0BB-DE4B-95CE-6DB70DBA9567}" type="datetimeFigureOut">
               <a:rPr lang="en-US" dirty="0"/>
-              <a:pPr/>
-              <a:t>5/30/2017</a:t>
             </a:fld>
             <a:endParaRPr lang="en-US"/>
           </a:p>
@@ -6105,8 +6048,6 @@
           <a:p>
             <a:fld id="{D57F1E4F-1CFF-5643-939E-217C01CDF565}" type="slidenum">
               <a:rPr lang="en-US" dirty="0"/>
-              <a:pPr/>
-              <a:t>‹#›</a:t>
             </a:fld>
             <a:endParaRPr lang="en-US"/>
           </a:p>
@@ -6171,6 +6112,7 @@
               <a:rPr lang="en-US"/>
               <a:t>Click to edit Master title style</a:t>
             </a:r>
+            <a:endParaRPr lang="en-US"/>
           </a:p>
         </p:txBody>
       </p:sp>
@@ -6204,6 +6146,7 @@
               <a:rPr lang="en-US"/>
               <a:t>Edit Master text styles</a:t>
             </a:r>
+            <a:endParaRPr lang="en-US"/>
           </a:p>
           <a:p>
             <a:pPr lvl="1"/>
@@ -6211,6 +6154,7 @@
               <a:rPr lang="en-US"/>
               <a:t>Second level</a:t>
             </a:r>
+            <a:endParaRPr lang="en-US"/>
           </a:p>
           <a:p>
             <a:pPr lvl="2"/>
@@ -6218,6 +6162,7 @@
               <a:rPr lang="en-US"/>
               <a:t>Third level</a:t>
             </a:r>
+            <a:endParaRPr lang="en-US"/>
           </a:p>
           <a:p>
             <a:pPr lvl="3"/>
@@ -6225,6 +6170,7 @@
               <a:rPr lang="en-US"/>
               <a:t>Fourth level</a:t>
             </a:r>
+            <a:endParaRPr lang="en-US"/>
           </a:p>
           <a:p>
             <a:pPr lvl="4"/>
@@ -6232,6 +6178,7 @@
               <a:rPr lang="en-US"/>
               <a:t>Fifth level</a:t>
             </a:r>
+            <a:endParaRPr lang="en-US"/>
           </a:p>
         </p:txBody>
       </p:sp>
@@ -6278,8 +6225,6 @@
           <a:p>
             <a:fld id="{B61BEF0D-F0BB-DE4B-95CE-6DB70DBA9567}" type="datetimeFigureOut">
               <a:rPr lang="en-US" dirty="0"/>
-              <a:pPr/>
-              <a:t>5/30/2017</a:t>
             </a:fld>
             <a:endParaRPr lang="en-US"/>
           </a:p>
@@ -6373,8 +6318,6 @@
           <a:p>
             <a:fld id="{D57F1E4F-1CFF-5643-939E-217C01CDF565}" type="slidenum">
               <a:rPr lang="en-US" dirty="0"/>
-              <a:pPr/>
-              <a:t>‹#›</a:t>
             </a:fld>
             <a:endParaRPr lang="en-US"/>
           </a:p>
@@ -6392,15 +6335,15 @@
     <p:sldLayoutId id="2147483654" r:id="rId6"/>
     <p:sldLayoutId id="2147483655" r:id="rId7"/>
     <p:sldLayoutId id="2147483656" r:id="rId8"/>
-    <p:sldLayoutId id="2147483661" r:id="rId9"/>
-    <p:sldLayoutId id="2147483657" r:id="rId10"/>
-    <p:sldLayoutId id="2147483663" r:id="rId11"/>
-    <p:sldLayoutId id="2147483664" r:id="rId12"/>
-    <p:sldLayoutId id="2147483665" r:id="rId13"/>
-    <p:sldLayoutId id="2147483666" r:id="rId14"/>
-    <p:sldLayoutId id="2147483667" r:id="rId15"/>
-    <p:sldLayoutId id="2147483658" r:id="rId16"/>
-    <p:sldLayoutId id="2147483659" r:id="rId17"/>
+    <p:sldLayoutId id="2147483657" r:id="rId9"/>
+    <p:sldLayoutId id="2147483658" r:id="rId10"/>
+    <p:sldLayoutId id="2147483659" r:id="rId11"/>
+    <p:sldLayoutId id="2147483660" r:id="rId12"/>
+    <p:sldLayoutId id="2147483661" r:id="rId13"/>
+    <p:sldLayoutId id="2147483662" r:id="rId14"/>
+    <p:sldLayoutId id="2147483663" r:id="rId15"/>
+    <p:sldLayoutId id="2147483664" r:id="rId16"/>
+    <p:sldLayoutId id="2147483665" r:id="rId17"/>
   </p:sldLayoutIdLst>
   <p:txStyles>
     <p:titleStyle>
@@ -6515,7 +6458,7 @@
           <a:schemeClr val="tx1"/>
         </a:buClr>
         <a:buSzPct val="100000"/>
-        <a:buFont typeface="Arial"/>
+        <a:buFont typeface="Arial" panose="020B0604020202020204"/>
         <a:buChar char="•"/>
         <a:defRPr sz="2000" kern="1200" cap="small">
           <a:gradFill flip="none" rotWithShape="1">
@@ -6562,7 +6505,7 @@
           <a:schemeClr val="tx1"/>
         </a:buClr>
         <a:buSzPct val="100000"/>
-        <a:buFont typeface="Arial"/>
+        <a:buFont typeface="Arial" panose="020B0604020202020204"/>
         <a:buChar char="•"/>
         <a:defRPr sz="1800" kern="1200" cap="small">
           <a:gradFill flip="none" rotWithShape="1">
@@ -6609,7 +6552,7 @@
           <a:schemeClr val="tx1"/>
         </a:buClr>
         <a:buSzPct val="100000"/>
-        <a:buFont typeface="Arial"/>
+        <a:buFont typeface="Arial" panose="020B0604020202020204"/>
         <a:buChar char="•"/>
         <a:defRPr sz="1600" kern="1200" cap="small">
           <a:gradFill flip="none" rotWithShape="1">
@@ -6656,7 +6599,7 @@
           <a:schemeClr val="tx1"/>
         </a:buClr>
         <a:buSzPct val="100000"/>
-        <a:buFont typeface="Arial"/>
+        <a:buFont typeface="Arial" panose="020B0604020202020204"/>
         <a:buChar char="•"/>
         <a:defRPr sz="1400" kern="1200" cap="small">
           <a:gradFill flip="none" rotWithShape="1">
@@ -6703,7 +6646,7 @@
           <a:schemeClr val="tx1"/>
         </a:buClr>
         <a:buSzPct val="100000"/>
-        <a:buFont typeface="Arial"/>
+        <a:buFont typeface="Arial" panose="020B0604020202020204"/>
         <a:buChar char="•"/>
         <a:defRPr sz="1400" kern="1200" cap="small">
           <a:gradFill flip="none" rotWithShape="1">
@@ -6750,7 +6693,7 @@
           <a:schemeClr val="tx1"/>
         </a:buClr>
         <a:buSzPct val="100000"/>
-        <a:buFont typeface="Arial"/>
+        <a:buFont typeface="Arial" panose="020B0604020202020204"/>
         <a:buChar char="•"/>
         <a:defRPr sz="1200" kern="1200" cap="small">
           <a:gradFill flip="none" rotWithShape="1">
@@ -6797,7 +6740,7 @@
           <a:schemeClr val="tx1"/>
         </a:buClr>
         <a:buSzPct val="100000"/>
-        <a:buFont typeface="Arial"/>
+        <a:buFont typeface="Arial" panose="020B0604020202020204"/>
         <a:buChar char="•"/>
         <a:defRPr sz="1200" kern="1200" cap="small">
           <a:gradFill flip="none" rotWithShape="1">
@@ -6844,7 +6787,7 @@
           <a:schemeClr val="tx1"/>
         </a:buClr>
         <a:buSzPct val="100000"/>
-        <a:buFont typeface="Arial"/>
+        <a:buFont typeface="Arial" panose="020B0604020202020204"/>
         <a:buChar char="•"/>
         <a:defRPr sz="1200" kern="1200" cap="small">
           <a:gradFill flip="none" rotWithShape="1">
@@ -6891,7 +6834,7 @@
           <a:schemeClr val="tx1"/>
         </a:buClr>
         <a:buSzPct val="100000"/>
-        <a:buFont typeface="Arial"/>
+        <a:buFont typeface="Arial" panose="020B0604020202020204"/>
         <a:buChar char="•"/>
         <a:defRPr sz="1200" kern="1200" cap="small">
           <a:gradFill flip="none" rotWithShape="1">
@@ -7063,6 +7006,7 @@
               <a:rPr lang="en-US" noProof="0"/>
               <a:t>Internship PROJECT</a:t>
             </a:r>
+            <a:endParaRPr lang="en-US" noProof="0"/>
           </a:p>
         </p:txBody>
       </p:sp>
@@ -7099,15 +7043,11 @@
               <a:rPr lang="en-US" noProof="0"/>
               <a:t>, 13152</a:t>
             </a:r>
+            <a:endParaRPr lang="en-US" noProof="0"/>
           </a:p>
         </p:txBody>
       </p:sp>
     </p:spTree>
-    <p:extLst>
-      <p:ext uri="{BB962C8B-B14F-4D97-AF65-F5344CB8AC3E}">
-        <p14:creationId xmlns:p14="http://schemas.microsoft.com/office/powerpoint/2010/main" val="2831133501"/>
-      </p:ext>
-    </p:extLst>
   </p:cSld>
   <p:clrMapOvr>
     <a:masterClrMapping/>
@@ -7134,16 +7074,18 @@
       </p:grpSpPr>
       <p:pic>
         <p:nvPicPr>
-          <p:cNvPr id="2" name="Image 2" descr="fpr (2).png"/>
+          <p:cNvPr id="4" name="Image 4" descr="vCloud2.PNG"/>
           <p:cNvPicPr>
             <a:picLocks noChangeAspect="1"/>
           </p:cNvPicPr>
           <p:nvPr/>
         </p:nvPicPr>
         <p:blipFill rotWithShape="1">
-          <a:blip r:embed="rId3"/>
-          <a:srcRect t="12791"/>
-          <a:stretch/>
+          <a:blip r:embed="rId1"/>
+          <a:srcRect t="9639"/>
+          <a:stretch>
+            <a:fillRect/>
+          </a:stretch>
         </p:blipFill>
         <p:spPr>
           <a:xfrm>
@@ -7156,11 +7098,6 @@
         </p:spPr>
       </p:pic>
     </p:spTree>
-    <p:extLst>
-      <p:ext uri="{BB962C8B-B14F-4D97-AF65-F5344CB8AC3E}">
-        <p14:creationId xmlns:p14="http://schemas.microsoft.com/office/powerpoint/2010/main" val="3251873046"/>
-      </p:ext>
-    </p:extLst>
   </p:cSld>
   <p:clrMapOvr>
     <a:masterClrMapping/>
@@ -7187,16 +7124,18 @@
       </p:grpSpPr>
       <p:pic>
         <p:nvPicPr>
-          <p:cNvPr id="2" name="Image 2" descr="Ubuntu.PNG"/>
+          <p:cNvPr id="2" name="Image 2" descr="fpr (2).png"/>
           <p:cNvPicPr>
             <a:picLocks noChangeAspect="1"/>
           </p:cNvPicPr>
           <p:nvPr/>
         </p:nvPicPr>
         <p:blipFill rotWithShape="1">
-          <a:blip r:embed="rId3"/>
-          <a:srcRect/>
-          <a:stretch/>
+          <a:blip r:embed="rId1"/>
+          <a:srcRect t="12791"/>
+          <a:stretch>
+            <a:fillRect/>
+          </a:stretch>
         </p:blipFill>
         <p:spPr>
           <a:xfrm>
@@ -7209,11 +7148,6 @@
         </p:spPr>
       </p:pic>
     </p:spTree>
-    <p:extLst>
-      <p:ext uri="{BB962C8B-B14F-4D97-AF65-F5344CB8AC3E}">
-        <p14:creationId xmlns:p14="http://schemas.microsoft.com/office/powerpoint/2010/main" val="1901976755"/>
-      </p:ext>
-    </p:extLst>
   </p:cSld>
   <p:clrMapOvr>
     <a:masterClrMapping/>
@@ -7240,16 +7174,18 @@
       </p:grpSpPr>
       <p:pic>
         <p:nvPicPr>
-          <p:cNvPr id="2" name="Image 2" descr="FTP.PNG"/>
+          <p:cNvPr id="2" name="Image 2" descr="Ubuntu.PNG"/>
           <p:cNvPicPr>
             <a:picLocks noChangeAspect="1"/>
           </p:cNvPicPr>
           <p:nvPr/>
         </p:nvPicPr>
         <p:blipFill rotWithShape="1">
-          <a:blip r:embed="rId3"/>
-          <a:srcRect t="10000"/>
-          <a:stretch/>
+          <a:blip r:embed="rId1"/>
+          <a:srcRect/>
+          <a:stretch>
+            <a:fillRect/>
+          </a:stretch>
         </p:blipFill>
         <p:spPr>
           <a:xfrm>
@@ -7262,11 +7198,6 @@
         </p:spPr>
       </p:pic>
     </p:spTree>
-    <p:extLst>
-      <p:ext uri="{BB962C8B-B14F-4D97-AF65-F5344CB8AC3E}">
-        <p14:creationId xmlns:p14="http://schemas.microsoft.com/office/powerpoint/2010/main" val="411811135"/>
-      </p:ext>
-    </p:extLst>
   </p:cSld>
   <p:clrMapOvr>
     <a:masterClrMapping/>
@@ -7291,90 +7222,32 @@
           <a:chExt cx="0" cy="0"/>
         </a:xfrm>
       </p:grpSpPr>
-      <p:sp>
-        <p:nvSpPr>
-          <p:cNvPr id="2" name="Title 1"/>
-          <p:cNvSpPr>
-            <a:spLocks noGrp="1"/>
-          </p:cNvSpPr>
-          <p:nvPr>
-            <p:ph type="title"/>
-          </p:nvPr>
-        </p:nvSpPr>
-        <p:spPr/>
-        <p:txBody>
-          <a:bodyPr/>
-          <a:lstStyle/>
-          <a:p>
-            <a:r>
-              <a:rPr lang="en-US" noProof="0"/>
-              <a:t>Internship Goals	</a:t>
-            </a:r>
-          </a:p>
-        </p:txBody>
-      </p:sp>
-      <p:sp>
-        <p:nvSpPr>
-          <p:cNvPr id="3" name="Content Placeholder 2"/>
-          <p:cNvSpPr>
-            <a:spLocks noGrp="1"/>
-          </p:cNvSpPr>
-          <p:nvPr>
-            <p:ph idx="1"/>
-          </p:nvPr>
-        </p:nvSpPr>
-        <p:spPr/>
-        <p:txBody>
-          <a:bodyPr/>
-          <a:lstStyle/>
-          <a:p>
-            <a:pPr>
-              <a:buFont typeface="Wingdings" panose="05000000000000000000" pitchFamily="2" charset="2"/>
-              <a:buChar char="Ø"/>
-            </a:pPr>
-            <a:r>
-              <a:rPr lang="en-US" noProof="0"/>
-              <a:t>Recreate existing environments for AWS</a:t>
-            </a:r>
-          </a:p>
-          <a:p>
-            <a:pPr>
-              <a:buFont typeface="Wingdings" panose="05000000000000000000" pitchFamily="2" charset="2"/>
-              <a:buChar char="Ø"/>
-            </a:pPr>
-            <a:r>
-              <a:rPr lang="en-US" noProof="0"/>
-              <a:t>Successful Installation</a:t>
-            </a:r>
-          </a:p>
-          <a:p>
-            <a:pPr>
-              <a:buFont typeface="Wingdings" panose="05000000000000000000" pitchFamily="2" charset="2"/>
-              <a:buChar char="Ø"/>
-            </a:pPr>
-            <a:r>
-              <a:rPr lang="en-US" noProof="0"/>
-              <a:t>Successful Build Intake</a:t>
-            </a:r>
-          </a:p>
-          <a:p>
-            <a:pPr>
-              <a:buFont typeface="Wingdings" panose="05000000000000000000" pitchFamily="2" charset="2"/>
-              <a:buChar char="Ø"/>
-            </a:pPr>
-            <a:r>
-              <a:rPr lang="en-US" noProof="0"/>
-              <a:t>Successful Regression</a:t>
-            </a:r>
-          </a:p>
-        </p:txBody>
-      </p:sp>
+      <p:pic>
+        <p:nvPicPr>
+          <p:cNvPr id="2" name="Image 2" descr="FTP.PNG"/>
+          <p:cNvPicPr>
+            <a:picLocks noChangeAspect="1"/>
+          </p:cNvPicPr>
+          <p:nvPr/>
+        </p:nvPicPr>
+        <p:blipFill rotWithShape="1">
+          <a:blip r:embed="rId1"/>
+          <a:srcRect t="10000"/>
+          <a:stretch>
+            <a:fillRect/>
+          </a:stretch>
+        </p:blipFill>
+        <p:spPr>
+          <a:xfrm>
+            <a:off x="20" y="10"/>
+            <a:ext cx="12191980" cy="6857990"/>
+          </a:xfrm>
+          <a:prstGeom prst="rect">
+            <a:avLst/>
+          </a:prstGeom>
+        </p:spPr>
+      </p:pic>
     </p:spTree>
-    <p:extLst>
-      <p:ext uri="{BB962C8B-B14F-4D97-AF65-F5344CB8AC3E}">
-        <p14:creationId xmlns:p14="http://schemas.microsoft.com/office/powerpoint/2010/main" val="151824307"/>
-      </p:ext>
-    </p:extLst>
   </p:cSld>
   <p:clrMapOvr>
     <a:masterClrMapping/>
@@ -7418,6 +7291,7 @@
               <a:rPr lang="en-US" noProof="0"/>
               <a:t>Results</a:t>
             </a:r>
+            <a:endParaRPr lang="en-US" noProof="0"/>
           </a:p>
         </p:txBody>
       </p:sp>
@@ -7444,6 +7318,7 @@
               <a:rPr lang="en-US" noProof="0"/>
               <a:t>Environments: imported Ubuntu ( + Windows Server 2012 R2 )</a:t>
             </a:r>
+            <a:endParaRPr lang="en-US" noProof="0"/>
           </a:p>
           <a:p>
             <a:pPr>
@@ -7454,6 +7329,7 @@
               <a:rPr lang="en-US" noProof="0"/>
               <a:t>Installation successful on Ubuntu</a:t>
             </a:r>
+            <a:endParaRPr lang="en-US" noProof="0"/>
           </a:p>
           <a:p>
             <a:pPr>
@@ -7464,6 +7340,7 @@
               <a:rPr lang="en-US" noProof="0"/>
               <a:t>Successful Build Intake</a:t>
             </a:r>
+            <a:endParaRPr lang="en-US" noProof="0"/>
           </a:p>
           <a:p>
             <a:pPr>
@@ -7474,15 +7351,11 @@
               <a:rPr lang="en-US" noProof="0"/>
               <a:t>Dropped Regression</a:t>
             </a:r>
+            <a:endParaRPr lang="en-US" noProof="0"/>
           </a:p>
         </p:txBody>
       </p:sp>
     </p:spTree>
-    <p:extLst>
-      <p:ext uri="{BB962C8B-B14F-4D97-AF65-F5344CB8AC3E}">
-        <p14:creationId xmlns:p14="http://schemas.microsoft.com/office/powerpoint/2010/main" val="1423954696"/>
-      </p:ext>
-    </p:extLst>
   </p:cSld>
   <p:clrMapOvr>
     <a:masterClrMapping/>
@@ -7516,9 +7389,11 @@
           <p:nvPr/>
         </p:nvPicPr>
         <p:blipFill rotWithShape="1">
-          <a:blip r:embed="rId3"/>
+          <a:blip r:embed="rId1"/>
           <a:srcRect b="10000"/>
-          <a:stretch/>
+          <a:stretch>
+            <a:fillRect/>
+          </a:stretch>
         </p:blipFill>
         <p:spPr>
           <a:xfrm>
@@ -7531,11 +7406,6 @@
         </p:spPr>
       </p:pic>
     </p:spTree>
-    <p:extLst>
-      <p:ext uri="{BB962C8B-B14F-4D97-AF65-F5344CB8AC3E}">
-        <p14:creationId xmlns:p14="http://schemas.microsoft.com/office/powerpoint/2010/main" val="3841699276"/>
-      </p:ext>
-    </p:extLst>
   </p:cSld>
   <p:clrMapOvr>
     <a:masterClrMapping/>
@@ -7587,6 +7457,7 @@
               <a:rPr lang="fr-FR" err="1"/>
               <a:t>Experience</a:t>
             </a:r>
+            <a:endParaRPr lang="fr-FR" err="1"/>
           </a:p>
         </p:txBody>
       </p:sp>
@@ -7610,10 +7481,16 @@
                 <a:solidFill>
                   <a:srgbClr val="FFFFFF"/>
                 </a:solidFill>
-                <a:latin typeface="Century Gothic"/>
+                <a:latin typeface="Century Gothic" panose="020B0502020202020204"/>
               </a:rPr>
               <a:t>Communication</a:t>
             </a:r>
+            <a:endParaRPr lang="fr-FR">
+              <a:solidFill>
+                <a:srgbClr val="FFFFFF"/>
+              </a:solidFill>
+              <a:latin typeface="Century Gothic" panose="020B0502020202020204"/>
+            </a:endParaRPr>
           </a:p>
           <a:p>
             <a:r>
@@ -7621,10 +7498,16 @@
                 <a:solidFill>
                   <a:srgbClr val="FFFFFF"/>
                 </a:solidFill>
-                <a:latin typeface="Century Gothic"/>
+                <a:latin typeface="Century Gothic" panose="020B0502020202020204"/>
               </a:rPr>
               <a:t>Comprehension</a:t>
             </a:r>
+            <a:endParaRPr lang="fr-FR" err="1">
+              <a:solidFill>
+                <a:srgbClr val="FFFFFF"/>
+              </a:solidFill>
+              <a:latin typeface="Century Gothic" panose="020B0502020202020204"/>
+            </a:endParaRPr>
           </a:p>
           <a:p>
             <a:r>
@@ -7632,10 +7515,16 @@
                 <a:solidFill>
                   <a:srgbClr val="FFFFFF"/>
                 </a:solidFill>
-                <a:latin typeface="Century Gothic"/>
+                <a:latin typeface="Century Gothic" panose="020B0502020202020204"/>
               </a:rPr>
               <a:t>Teamwork</a:t>
             </a:r>
+            <a:endParaRPr lang="fr-FR" err="1">
+              <a:solidFill>
+                <a:srgbClr val="FFFFFF"/>
+              </a:solidFill>
+              <a:latin typeface="Century Gothic" panose="020B0502020202020204"/>
+            </a:endParaRPr>
           </a:p>
           <a:p>
             <a:r>
@@ -7643,19 +7532,20 @@
                 <a:solidFill>
                   <a:srgbClr val="FFFFFF"/>
                 </a:solidFill>
-                <a:latin typeface="Century Gothic"/>
+                <a:latin typeface="Century Gothic" panose="020B0502020202020204"/>
               </a:rPr>
               <a:t>Objectives and Holdups</a:t>
             </a:r>
+            <a:endParaRPr lang="fr-FR">
+              <a:solidFill>
+                <a:srgbClr val="FFFFFF"/>
+              </a:solidFill>
+              <a:latin typeface="Century Gothic" panose="020B0502020202020204"/>
+            </a:endParaRPr>
           </a:p>
         </p:txBody>
       </p:sp>
     </p:spTree>
-    <p:extLst>
-      <p:ext uri="{BB962C8B-B14F-4D97-AF65-F5344CB8AC3E}">
-        <p14:creationId xmlns:p14="http://schemas.microsoft.com/office/powerpoint/2010/main" val="427166514"/>
-      </p:ext>
-    </p:extLst>
   </p:cSld>
   <p:clrMapOvr>
     <a:masterClrMapping/>
@@ -7716,17 +7606,12 @@
               <a:solidFill>
                 <a:schemeClr val="tx1"/>
               </a:solidFill>
-              <a:latin typeface="Century Gothic"/>
+              <a:latin typeface="Century Gothic" panose="020B0502020202020204"/>
             </a:endParaRPr>
           </a:p>
         </p:txBody>
       </p:sp>
     </p:spTree>
-    <p:extLst>
-      <p:ext uri="{BB962C8B-B14F-4D97-AF65-F5344CB8AC3E}">
-        <p14:creationId xmlns:p14="http://schemas.microsoft.com/office/powerpoint/2010/main" val="3120641549"/>
-      </p:ext>
-    </p:extLst>
   </p:cSld>
   <p:clrMapOvr>
     <a:masterClrMapping/>
@@ -7770,6 +7655,7 @@
               <a:rPr lang="en-US" noProof="0"/>
               <a:t>Main POINTS</a:t>
             </a:r>
+            <a:endParaRPr lang="en-US" noProof="0"/>
           </a:p>
         </p:txBody>
       </p:sp>
@@ -7792,36 +7678,35 @@
               <a:rPr lang="en-US" noProof="0"/>
               <a:t>About Vasco</a:t>
             </a:r>
+            <a:endParaRPr lang="en-US" noProof="0"/>
           </a:p>
           <a:p>
             <a:r>
               <a:rPr lang="en-US" noProof="0"/>
               <a:t>The SDTF</a:t>
             </a:r>
+            <a:endParaRPr lang="en-US" noProof="0"/>
           </a:p>
           <a:p>
             <a:r>
               <a:rPr lang="en-US" noProof="0"/>
               <a:t>Internship: goals &amp; Achievements</a:t>
             </a:r>
+            <a:endParaRPr lang="en-US" noProof="0"/>
           </a:p>
           <a:p>
             <a:r>
               <a:rPr lang="en-US" noProof="0"/>
               <a:t>Personal Experience</a:t>
             </a:r>
-          </a:p>
-          <a:p>
             <a:endParaRPr lang="en-US" noProof="0"/>
           </a:p>
+          <a:p>
+            <a:endParaRPr lang="en-US" noProof="0"/>
+          </a:p>
         </p:txBody>
       </p:sp>
     </p:spTree>
-    <p:extLst>
-      <p:ext uri="{BB962C8B-B14F-4D97-AF65-F5344CB8AC3E}">
-        <p14:creationId xmlns:p14="http://schemas.microsoft.com/office/powerpoint/2010/main" val="1569696198"/>
-      </p:ext>
-    </p:extLst>
   </p:cSld>
   <p:clrMapOvr>
     <a:masterClrMapping/>
@@ -7870,6 +7755,7 @@
               <a:rPr lang="en-US" noProof="0"/>
               <a:t>About Vasco</a:t>
             </a:r>
+            <a:endParaRPr lang="en-US" noProof="0"/>
           </a:p>
         </p:txBody>
       </p:sp>
@@ -7900,6 +7786,7 @@
               <a:rPr lang="en-US" noProof="0"/>
               <a:t>Data Security:</a:t>
             </a:r>
+            <a:endParaRPr lang="en-US" noProof="0"/>
           </a:p>
           <a:p>
             <a:pPr lvl="1"/>
@@ -7907,6 +7794,7 @@
               <a:rPr lang="en-US" noProof="0"/>
               <a:t>Mobile App Security</a:t>
             </a:r>
+            <a:endParaRPr lang="en-US" noProof="0"/>
           </a:p>
           <a:p>
             <a:pPr lvl="1"/>
@@ -7914,6 +7802,7 @@
               <a:rPr lang="en-US" noProof="0"/>
               <a:t>Fraud Prevention</a:t>
             </a:r>
+            <a:endParaRPr lang="en-US" noProof="0"/>
           </a:p>
           <a:p>
             <a:pPr lvl="1"/>
@@ -7921,6 +7810,7 @@
               <a:rPr lang="en-US" noProof="0"/>
               <a:t>Transaction Signing</a:t>
             </a:r>
+            <a:endParaRPr lang="en-US" noProof="0"/>
           </a:p>
           <a:p>
             <a:pPr lvl="1"/>
@@ -7928,6 +7818,7 @@
               <a:rPr lang="en-US" noProof="0"/>
               <a:t>Identity &amp; Access</a:t>
             </a:r>
+            <a:endParaRPr lang="en-US" noProof="0"/>
           </a:p>
           <a:p>
             <a:pPr lvl="1"/>
@@ -7935,15 +7826,14 @@
               <a:rPr lang="en-US" noProof="0"/>
               <a:t>Document eSignatures</a:t>
             </a:r>
+            <a:endParaRPr lang="en-US" noProof="0"/>
           </a:p>
         </p:txBody>
       </p:sp>
       <p:sp>
         <p:nvSpPr>
           <p:cNvPr id="5" name="Content Placeholder 2"/>
-          <p:cNvSpPr txBox="1">
-            <a:spLocks/>
-          </p:cNvSpPr>
+          <p:cNvSpPr txBox="1"/>
           <p:nvPr/>
         </p:nvSpPr>
         <p:spPr>
@@ -7971,7 +7861,7 @@
                 <a:schemeClr val="tx1"/>
               </a:buClr>
               <a:buSzPct val="100000"/>
-              <a:buFont typeface="Arial"/>
+              <a:buFont typeface="Arial" panose="020B0604020202020204"/>
               <a:buChar char="•"/>
               <a:defRPr sz="2000" kern="1200" cap="small">
                 <a:gradFill flip="none" rotWithShape="1">
@@ -8018,7 +7908,7 @@
                 <a:schemeClr val="tx1"/>
               </a:buClr>
               <a:buSzPct val="100000"/>
-              <a:buFont typeface="Arial"/>
+              <a:buFont typeface="Arial" panose="020B0604020202020204"/>
               <a:buChar char="•"/>
               <a:defRPr sz="1800" kern="1200" cap="small">
                 <a:gradFill flip="none" rotWithShape="1">
@@ -8065,7 +7955,7 @@
                 <a:schemeClr val="tx1"/>
               </a:buClr>
               <a:buSzPct val="100000"/>
-              <a:buFont typeface="Arial"/>
+              <a:buFont typeface="Arial" panose="020B0604020202020204"/>
               <a:buChar char="•"/>
               <a:defRPr sz="1600" kern="1200" cap="small">
                 <a:gradFill flip="none" rotWithShape="1">
@@ -8112,7 +8002,7 @@
                 <a:schemeClr val="tx1"/>
               </a:buClr>
               <a:buSzPct val="100000"/>
-              <a:buFont typeface="Arial"/>
+              <a:buFont typeface="Arial" panose="020B0604020202020204"/>
               <a:buChar char="•"/>
               <a:defRPr sz="1400" kern="1200" cap="small">
                 <a:gradFill flip="none" rotWithShape="1">
@@ -8159,7 +8049,7 @@
                 <a:schemeClr val="tx1"/>
               </a:buClr>
               <a:buSzPct val="100000"/>
-              <a:buFont typeface="Arial"/>
+              <a:buFont typeface="Arial" panose="020B0604020202020204"/>
               <a:buChar char="•"/>
               <a:defRPr sz="1400" kern="1200" cap="small">
                 <a:gradFill flip="none" rotWithShape="1">
@@ -8206,7 +8096,7 @@
                 <a:schemeClr val="tx1"/>
               </a:buClr>
               <a:buSzPct val="100000"/>
-              <a:buFont typeface="Arial"/>
+              <a:buFont typeface="Arial" panose="020B0604020202020204"/>
               <a:buChar char="•"/>
               <a:defRPr sz="1200" kern="1200" cap="small">
                 <a:gradFill flip="none" rotWithShape="1">
@@ -8253,7 +8143,7 @@
                 <a:schemeClr val="tx1"/>
               </a:buClr>
               <a:buSzPct val="100000"/>
-              <a:buFont typeface="Arial"/>
+              <a:buFont typeface="Arial" panose="020B0604020202020204"/>
               <a:buChar char="•"/>
               <a:defRPr sz="1200" kern="1200" cap="small">
                 <a:gradFill flip="none" rotWithShape="1">
@@ -8300,7 +8190,7 @@
                 <a:schemeClr val="tx1"/>
               </a:buClr>
               <a:buSzPct val="100000"/>
-              <a:buFont typeface="Arial"/>
+              <a:buFont typeface="Arial" panose="020B0604020202020204"/>
               <a:buChar char="•"/>
               <a:defRPr sz="1200" kern="1200" cap="small">
                 <a:gradFill flip="none" rotWithShape="1">
@@ -8347,7 +8237,7 @@
                 <a:schemeClr val="tx1"/>
               </a:buClr>
               <a:buSzPct val="100000"/>
-              <a:buFont typeface="Arial"/>
+              <a:buFont typeface="Arial" panose="020B0604020202020204"/>
               <a:buChar char="•"/>
               <a:defRPr sz="1200" kern="1200" cap="small">
                 <a:gradFill flip="none" rotWithShape="1">
@@ -8386,7 +8276,7 @@
           </a:lstStyle>
           <a:p>
             <a:pPr marL="0" indent="0">
-              <a:buFont typeface="Arial"/>
+              <a:buFont typeface="Arial" panose="020B0604020202020204"/>
               <a:buNone/>
             </a:pPr>
             <a:r>
@@ -8397,6 +8287,7 @@
               <a:rPr lang="fr-FR"/>
               <a:t>:</a:t>
             </a:r>
+            <a:endParaRPr lang="fr-FR"/>
           </a:p>
           <a:p>
             <a:pPr lvl="1"/>
@@ -8420,10 +8311,13 @@
               </a:rPr>
               <a:t>		the process or action of verifying the identity of a user or process.</a:t>
             </a:r>
+            <a:endParaRPr lang="en-US">
+              <a:effectLst/>
+            </a:endParaRPr>
           </a:p>
           <a:p>
             <a:pPr marL="0" indent="0">
-              <a:buFont typeface="Arial"/>
+              <a:buFont typeface="Arial" panose="020B0604020202020204"/>
               <a:buNone/>
             </a:pPr>
             <a:endParaRPr lang="en-GB"/>
@@ -8439,7 +8333,7 @@
           <p:nvPr/>
         </p:nvPicPr>
         <p:blipFill>
-          <a:blip r:embed="rId2">
+          <a:blip r:embed="rId1">
             <a:extLst>
               <a:ext uri="{28A0092B-C50C-407E-A947-70E740481C1C}">
                 <a14:useLocalDpi xmlns:a14="http://schemas.microsoft.com/office/drawing/2010/main" val="0"/>
@@ -8472,11 +8366,6 @@
         </p:spPr>
       </p:pic>
     </p:spTree>
-    <p:extLst>
-      <p:ext uri="{BB962C8B-B14F-4D97-AF65-F5344CB8AC3E}">
-        <p14:creationId xmlns:p14="http://schemas.microsoft.com/office/powerpoint/2010/main" val="691188832"/>
-      </p:ext>
-    </p:extLst>
   </p:cSld>
   <p:clrMapOvr>
     <a:masterClrMapping/>
@@ -8525,6 +8414,7 @@
               <a:rPr lang="en-US" noProof="0"/>
               <a:t>The SDTF</a:t>
             </a:r>
+            <a:endParaRPr lang="en-US" noProof="0"/>
           </a:p>
         </p:txBody>
       </p:sp>
@@ -8560,6 +8450,9 @@
               </a:rPr>
               <a:t>software Deployment &amp; Testing Framework</a:t>
             </a:r>
+            <a:endParaRPr lang="en-US" noProof="0">
+              <a:effectLst/>
+            </a:endParaRPr>
           </a:p>
           <a:p>
             <a:pPr marL="0" indent="0">
@@ -8576,6 +8469,9 @@
               </a:rPr>
               <a:t>Launches virtual environments</a:t>
             </a:r>
+            <a:endParaRPr lang="en-US" noProof="0">
+              <a:effectLst/>
+            </a:endParaRPr>
           </a:p>
           <a:p>
             <a:r>
@@ -8584,6 +8480,9 @@
               </a:rPr>
               <a:t>Installs IAS and launches tests in said environments</a:t>
             </a:r>
+            <a:endParaRPr lang="en-US" noProof="0">
+              <a:effectLst/>
+            </a:endParaRPr>
           </a:p>
           <a:p>
             <a:endParaRPr lang="en-US" noProof="0"/>
@@ -8593,9 +8492,7 @@
       <p:sp>
         <p:nvSpPr>
           <p:cNvPr id="5" name="Title 1"/>
-          <p:cNvSpPr txBox="1">
-            <a:spLocks/>
-          </p:cNvSpPr>
+          <p:cNvSpPr txBox="1"/>
           <p:nvPr/>
         </p:nvSpPr>
         <p:spPr>
@@ -8716,15 +8613,14 @@
               <a:rPr lang="fr-FR"/>
               <a:t>IAS</a:t>
             </a:r>
+            <a:endParaRPr lang="fr-FR"/>
           </a:p>
         </p:txBody>
       </p:sp>
       <p:sp>
         <p:nvSpPr>
           <p:cNvPr id="6" name="Content Placeholder 2"/>
-          <p:cNvSpPr txBox="1">
-            <a:spLocks/>
-          </p:cNvSpPr>
+          <p:cNvSpPr txBox="1"/>
           <p:nvPr/>
         </p:nvSpPr>
         <p:spPr>
@@ -8752,7 +8648,7 @@
                 <a:schemeClr val="tx1"/>
               </a:buClr>
               <a:buSzPct val="100000"/>
-              <a:buFont typeface="Arial"/>
+              <a:buFont typeface="Arial" panose="020B0604020202020204"/>
               <a:buChar char="•"/>
               <a:defRPr sz="2000" kern="1200" cap="small">
                 <a:gradFill flip="none" rotWithShape="1">
@@ -8799,7 +8695,7 @@
                 <a:schemeClr val="tx1"/>
               </a:buClr>
               <a:buSzPct val="100000"/>
-              <a:buFont typeface="Arial"/>
+              <a:buFont typeface="Arial" panose="020B0604020202020204"/>
               <a:buChar char="•"/>
               <a:defRPr sz="1800" kern="1200" cap="small">
                 <a:gradFill flip="none" rotWithShape="1">
@@ -8846,7 +8742,7 @@
                 <a:schemeClr val="tx1"/>
               </a:buClr>
               <a:buSzPct val="100000"/>
-              <a:buFont typeface="Arial"/>
+              <a:buFont typeface="Arial" panose="020B0604020202020204"/>
               <a:buChar char="•"/>
               <a:defRPr sz="1600" kern="1200" cap="small">
                 <a:gradFill flip="none" rotWithShape="1">
@@ -8893,7 +8789,7 @@
                 <a:schemeClr val="tx1"/>
               </a:buClr>
               <a:buSzPct val="100000"/>
-              <a:buFont typeface="Arial"/>
+              <a:buFont typeface="Arial" panose="020B0604020202020204"/>
               <a:buChar char="•"/>
               <a:defRPr sz="1400" kern="1200" cap="small">
                 <a:gradFill flip="none" rotWithShape="1">
@@ -8940,7 +8836,7 @@
                 <a:schemeClr val="tx1"/>
               </a:buClr>
               <a:buSzPct val="100000"/>
-              <a:buFont typeface="Arial"/>
+              <a:buFont typeface="Arial" panose="020B0604020202020204"/>
               <a:buChar char="•"/>
               <a:defRPr sz="1400" kern="1200" cap="small">
                 <a:gradFill flip="none" rotWithShape="1">
@@ -8987,7 +8883,7 @@
                 <a:schemeClr val="tx1"/>
               </a:buClr>
               <a:buSzPct val="100000"/>
-              <a:buFont typeface="Arial"/>
+              <a:buFont typeface="Arial" panose="020B0604020202020204"/>
               <a:buChar char="•"/>
               <a:defRPr sz="1200" kern="1200" cap="small">
                 <a:gradFill flip="none" rotWithShape="1">
@@ -9034,7 +8930,7 @@
                 <a:schemeClr val="tx1"/>
               </a:buClr>
               <a:buSzPct val="100000"/>
-              <a:buFont typeface="Arial"/>
+              <a:buFont typeface="Arial" panose="020B0604020202020204"/>
               <a:buChar char="•"/>
               <a:defRPr sz="1200" kern="1200" cap="small">
                 <a:gradFill flip="none" rotWithShape="1">
@@ -9081,7 +8977,7 @@
                 <a:schemeClr val="tx1"/>
               </a:buClr>
               <a:buSzPct val="100000"/>
-              <a:buFont typeface="Arial"/>
+              <a:buFont typeface="Arial" panose="020B0604020202020204"/>
               <a:buChar char="•"/>
               <a:defRPr sz="1200" kern="1200" cap="small">
                 <a:gradFill flip="none" rotWithShape="1">
@@ -9128,7 +9024,7 @@
                 <a:schemeClr val="tx1"/>
               </a:buClr>
               <a:buSzPct val="100000"/>
-              <a:buFont typeface="Arial"/>
+              <a:buFont typeface="Arial" panose="020B0604020202020204"/>
               <a:buChar char="•"/>
               <a:defRPr sz="1200" kern="1200" cap="small">
                 <a:gradFill flip="none" rotWithShape="1">
@@ -9190,6 +9086,9 @@
               </a:rPr>
               <a:t> Server</a:t>
             </a:r>
+            <a:endParaRPr lang="fr-FR">
+              <a:effectLst/>
+            </a:endParaRPr>
           </a:p>
           <a:p>
             <a:endParaRPr lang="fr-FR"/>
@@ -9197,11 +9096,6 @@
         </p:txBody>
       </p:sp>
     </p:spTree>
-    <p:extLst>
-      <p:ext uri="{BB962C8B-B14F-4D97-AF65-F5344CB8AC3E}">
-        <p14:creationId xmlns:p14="http://schemas.microsoft.com/office/powerpoint/2010/main" val="673847546"/>
-      </p:ext>
-    </p:extLst>
   </p:cSld>
   <p:clrMapOvr>
     <a:masterClrMapping/>
@@ -9235,7 +9129,7 @@
           <p:nvPr/>
         </p:nvPicPr>
         <p:blipFill>
-          <a:blip r:embed="rId3">
+          <a:blip r:embed="rId1">
             <a:extLst>
               <a:ext uri="{28A0092B-C50C-407E-A947-70E740481C1C}">
                 <a14:useLocalDpi xmlns:a14="http://schemas.microsoft.com/office/drawing/2010/main" val="0"/>
@@ -9315,11 +9209,6 @@
         </p:txBody>
       </p:sp>
     </p:spTree>
-    <p:extLst>
-      <p:ext uri="{BB962C8B-B14F-4D97-AF65-F5344CB8AC3E}">
-        <p14:creationId xmlns:p14="http://schemas.microsoft.com/office/powerpoint/2010/main" val="3989674924"/>
-      </p:ext>
-    </p:extLst>
   </p:cSld>
   <p:clrMapOvr>
     <a:masterClrMapping/>
@@ -9372,7 +9261,7 @@
           <p:nvPr/>
         </p:nvPicPr>
         <p:blipFill>
-          <a:blip r:embed="rId2">
+          <a:blip r:embed="rId1">
             <a:extLst>
               <a:ext uri="{28A0092B-C50C-407E-A947-70E740481C1C}">
                 <a14:useLocalDpi xmlns:a14="http://schemas.microsoft.com/office/drawing/2010/main" val="0"/>
@@ -9465,11 +9354,6 @@
         </p:txBody>
       </p:sp>
     </p:spTree>
-    <p:extLst>
-      <p:ext uri="{BB962C8B-B14F-4D97-AF65-F5344CB8AC3E}">
-        <p14:creationId xmlns:p14="http://schemas.microsoft.com/office/powerpoint/2010/main" val="2732161368"/>
-      </p:ext>
-    </p:extLst>
   </p:cSld>
   <p:clrMapOvr>
     <a:masterClrMapping/>
@@ -9544,7 +9428,7 @@
           <p:nvPr/>
         </p:nvPicPr>
         <p:blipFill>
-          <a:blip r:embed="rId3">
+          <a:blip r:embed="rId1">
             <a:extLst>
               <a:ext uri="{28A0092B-C50C-407E-A947-70E740481C1C}">
                 <a14:useLocalDpi xmlns:a14="http://schemas.microsoft.com/office/drawing/2010/main" val="0"/>
@@ -9650,11 +9534,6 @@
         </p:txBody>
       </p:sp>
     </p:spTree>
-    <p:extLst>
-      <p:ext uri="{BB962C8B-B14F-4D97-AF65-F5344CB8AC3E}">
-        <p14:creationId xmlns:p14="http://schemas.microsoft.com/office/powerpoint/2010/main" val="3991697845"/>
-      </p:ext>
-    </p:extLst>
   </p:cSld>
   <p:clrMapOvr>
     <a:masterClrMapping/>
@@ -9710,7 +9589,7 @@
           <p:nvPr/>
         </p:nvPicPr>
         <p:blipFill>
-          <a:blip r:embed="rId3">
+          <a:blip r:embed="rId1">
             <a:extLst>
               <a:ext uri="{28A0092B-C50C-407E-A947-70E740481C1C}">
                 <a14:useLocalDpi xmlns:a14="http://schemas.microsoft.com/office/drawing/2010/main" val="0"/>
@@ -9798,11 +9677,6 @@
         </p:txBody>
       </p:sp>
     </p:spTree>
-    <p:extLst>
-      <p:ext uri="{BB962C8B-B14F-4D97-AF65-F5344CB8AC3E}">
-        <p14:creationId xmlns:p14="http://schemas.microsoft.com/office/powerpoint/2010/main" val="3255163869"/>
-      </p:ext>
-    </p:extLst>
   </p:cSld>
   <p:clrMapOvr>
     <a:masterClrMapping/>
@@ -9827,35 +9701,90 @@
           <a:chExt cx="0" cy="0"/>
         </a:xfrm>
       </p:grpSpPr>
-      <p:pic>
-        <p:nvPicPr>
-          <p:cNvPr id="4" name="Image 4" descr="vCloud2.PNG"/>
-          <p:cNvPicPr>
-            <a:picLocks noChangeAspect="1"/>
-          </p:cNvPicPr>
-          <p:nvPr/>
-        </p:nvPicPr>
-        <p:blipFill rotWithShape="1">
-          <a:blip r:embed="rId3"/>
-          <a:srcRect t="9639"/>
-          <a:stretch/>
-        </p:blipFill>
-        <p:spPr>
-          <a:xfrm>
-            <a:off x="20" y="10"/>
-            <a:ext cx="12191980" cy="6857990"/>
-          </a:xfrm>
-          <a:prstGeom prst="rect">
-            <a:avLst/>
-          </a:prstGeom>
-        </p:spPr>
-      </p:pic>
+      <p:sp>
+        <p:nvSpPr>
+          <p:cNvPr id="2" name="Title 1"/>
+          <p:cNvSpPr>
+            <a:spLocks noGrp="1"/>
+          </p:cNvSpPr>
+          <p:nvPr>
+            <p:ph type="title"/>
+          </p:nvPr>
+        </p:nvSpPr>
+        <p:spPr/>
+        <p:txBody>
+          <a:bodyPr/>
+          <a:lstStyle/>
+          <a:p>
+            <a:r>
+              <a:rPr lang="en-US" noProof="0"/>
+              <a:t>Internship Goals	</a:t>
+            </a:r>
+            <a:endParaRPr lang="en-US" noProof="0"/>
+          </a:p>
+        </p:txBody>
+      </p:sp>
+      <p:sp>
+        <p:nvSpPr>
+          <p:cNvPr id="3" name="Content Placeholder 2"/>
+          <p:cNvSpPr>
+            <a:spLocks noGrp="1"/>
+          </p:cNvSpPr>
+          <p:nvPr>
+            <p:ph idx="1"/>
+          </p:nvPr>
+        </p:nvSpPr>
+        <p:spPr/>
+        <p:txBody>
+          <a:bodyPr/>
+          <a:lstStyle/>
+          <a:p>
+            <a:pPr>
+              <a:buFont typeface="Wingdings" panose="05000000000000000000" pitchFamily="2" charset="2"/>
+              <a:buChar char="Ø"/>
+            </a:pPr>
+            <a:r>
+              <a:rPr lang="en-US" noProof="0"/>
+              <a:t>Recreate existing environments for AWS</a:t>
+            </a:r>
+            <a:endParaRPr lang="en-US" noProof="0"/>
+          </a:p>
+          <a:p>
+            <a:pPr>
+              <a:buFont typeface="Wingdings" panose="05000000000000000000" pitchFamily="2" charset="2"/>
+              <a:buChar char="Ø"/>
+            </a:pPr>
+            <a:r>
+              <a:rPr lang="en-US" noProof="0"/>
+              <a:t>Successful Installation</a:t>
+            </a:r>
+            <a:endParaRPr lang="en-US" noProof="0"/>
+          </a:p>
+          <a:p>
+            <a:pPr>
+              <a:buFont typeface="Wingdings" panose="05000000000000000000" pitchFamily="2" charset="2"/>
+              <a:buChar char="Ø"/>
+            </a:pPr>
+            <a:r>
+              <a:rPr lang="en-US" noProof="0"/>
+              <a:t>Successful Build Intake</a:t>
+            </a:r>
+            <a:endParaRPr lang="en-US" noProof="0"/>
+          </a:p>
+          <a:p>
+            <a:pPr>
+              <a:buFont typeface="Wingdings" panose="05000000000000000000" pitchFamily="2" charset="2"/>
+              <a:buChar char="Ø"/>
+            </a:pPr>
+            <a:r>
+              <a:rPr lang="en-US" noProof="0"/>
+              <a:t>Successful Regression</a:t>
+            </a:r>
+            <a:endParaRPr lang="en-US" noProof="0"/>
+          </a:p>
+        </p:txBody>
+      </p:sp>
     </p:spTree>
-    <p:extLst>
-      <p:ext uri="{BB962C8B-B14F-4D97-AF65-F5344CB8AC3E}">
-        <p14:creationId xmlns:p14="http://schemas.microsoft.com/office/powerpoint/2010/main" val="3855149523"/>
-      </p:ext>
-    </p:extLst>
   </p:cSld>
   <p:clrMapOvr>
     <a:masterClrMapping/>
@@ -9906,7 +9835,7 @@
     </a:clrScheme>
     <a:fontScheme name="Mesh">
       <a:majorFont>
-        <a:latin typeface="Century Gothic" panose="020B0502020202020204"/>
+        <a:latin typeface="Century Gothic"/>
         <a:ea typeface=""/>
         <a:cs typeface=""/>
         <a:font script="Jpan" typeface="ＭＳ ゴシック"/>
@@ -9941,7 +9870,7 @@
         <a:font script="Geor" typeface="Sylfaen"/>
       </a:majorFont>
       <a:minorFont>
-        <a:latin typeface="Century Gothic" panose="020B0502020202020204"/>
+        <a:latin typeface="Century Gothic"/>
         <a:ea typeface=""/>
         <a:cs typeface=""/>
         <a:font script="Jpan" typeface="ＭＳ ゴシック"/>
@@ -10104,16 +10033,16 @@
               </a:schemeClr>
             </a:duotone>
           </a:blip>
-          <a:stretch/>
+          <a:stretch>
+            <a:fillRect/>
+          </a:stretch>
         </a:blipFill>
       </a:bgFillStyleLst>
     </a:fmtScheme>
   </a:themeElements>
-  <a:objectDefaults/>
-  <a:extraClrSchemeLst/>
   <a:extLst>
     <a:ext uri="{05A4C25C-085E-4340-85A3-A5531E510DB2}">
-      <thm15:themeFamily xmlns:thm15="http://schemas.microsoft.com/office/thememl/2012/main" name="Mesh" id="{789EC3FE-34FD-429C-9918-760025E6C145}" vid="{B8BE45C0-8141-4D58-8C71-A009BC26FBBB}"/>
+      <thm15:themeFamily xmlns:thm15="http://schemas.microsoft.com/office/thememl/2012/main" name="Office Theme" id="{62F939B6-93AF-4DB8-9C6B-D6C7DFDC589F}" vid="{4A3C46E8-61CC-4603-A589-7422A47A8E4A}"/>
     </a:ext>
   </a:extLst>
 </a:theme>
@@ -10162,7 +10091,7 @@
     </a:clrScheme>
     <a:fontScheme name="Office">
       <a:majorFont>
-        <a:latin typeface="Calibri Light" panose="020F0302020204030204"/>
+        <a:latin typeface="Calibri Light"/>
         <a:ea typeface=""/>
         <a:cs typeface=""/>
         <a:font script="Jpan" typeface="游ゴシック Light"/>
@@ -10195,26 +10124,9 @@
         <a:font script="Viet" typeface="Times New Roman"/>
         <a:font script="Uigh" typeface="Microsoft Uighur"/>
         <a:font script="Geor" typeface="Sylfaen"/>
-        <a:font script="Armn" typeface="Arial"/>
-        <a:font script="Bugi" typeface="Leelawadee UI"/>
-        <a:font script="Bopo" typeface="Microsoft JhengHei"/>
-        <a:font script="Java" typeface="Javanese Text"/>
-        <a:font script="Lisu" typeface="Segoe UI"/>
-        <a:font script="Mymr" typeface="Myanmar Text"/>
-        <a:font script="Nkoo" typeface="Ebrima"/>
-        <a:font script="Olck" typeface="Nirmala UI"/>
-        <a:font script="Osma" typeface="Ebrima"/>
-        <a:font script="Phag" typeface="Phagspa"/>
-        <a:font script="Syrn" typeface="Estrangelo Edessa"/>
-        <a:font script="Syrj" typeface="Estrangelo Edessa"/>
-        <a:font script="Syre" typeface="Estrangelo Edessa"/>
-        <a:font script="Sora" typeface="Nirmala UI"/>
-        <a:font script="Tale" typeface="Microsoft Tai Le"/>
-        <a:font script="Talu" typeface="Microsoft New Tai Lue"/>
-        <a:font script="Tfng" typeface="Ebrima"/>
       </a:majorFont>
       <a:minorFont>
-        <a:latin typeface="Calibri" panose="020F0502020204030204"/>
+        <a:latin typeface="Calibri"/>
         <a:ea typeface=""/>
         <a:cs typeface=""/>
         <a:font script="Jpan" typeface="游ゴシック"/>
@@ -10247,23 +10159,6 @@
         <a:font script="Viet" typeface="Arial"/>
         <a:font script="Uigh" typeface="Microsoft Uighur"/>
         <a:font script="Geor" typeface="Sylfaen"/>
-        <a:font script="Armn" typeface="Arial"/>
-        <a:font script="Bugi" typeface="Leelawadee UI"/>
-        <a:font script="Bopo" typeface="Microsoft JhengHei"/>
-        <a:font script="Java" typeface="Javanese Text"/>
-        <a:font script="Lisu" typeface="Segoe UI"/>
-        <a:font script="Mymr" typeface="Myanmar Text"/>
-        <a:font script="Nkoo" typeface="Ebrima"/>
-        <a:font script="Olck" typeface="Nirmala UI"/>
-        <a:font script="Osma" typeface="Ebrima"/>
-        <a:font script="Phag" typeface="Phagspa"/>
-        <a:font script="Syrn" typeface="Estrangelo Edessa"/>
-        <a:font script="Syrj" typeface="Estrangelo Edessa"/>
-        <a:font script="Syre" typeface="Estrangelo Edessa"/>
-        <a:font script="Sora" typeface="Nirmala UI"/>
-        <a:font script="Tale" typeface="Microsoft Tai Le"/>
-        <a:font script="Talu" typeface="Microsoft New Tai Lue"/>
-        <a:font script="Tfng" typeface="Ebrima"/>
       </a:minorFont>
     </a:fontScheme>
     <a:fmtScheme name="Office">
@@ -10404,8 +10299,6 @@
       </a:bgFillStyleLst>
     </a:fmtScheme>
   </a:themeElements>
-  <a:objectDefaults/>
-  <a:extraClrSchemeLst/>
   <a:extLst>
     <a:ext uri="{05A4C25C-085E-4340-85A3-A5531E510DB2}">
       <thm15:themeFamily xmlns:thm15="http://schemas.microsoft.com/office/thememl/2012/main" name="Office Theme" id="{62F939B6-93AF-4DB8-9C6B-D6C7DFDC589F}" vid="{4A3C46E8-61CC-4603-A589-7422A47A8E4A}"/>
